--- a/docs/07-pip-and-containers/Baskerville-pip-apptainer-Final.pptx
+++ b/docs/07-pip-and-containers/Baskerville-pip-apptainer-Final.pptx
@@ -5,43 +5,44 @@
     <p:sldMasterId id="2147483665" r:id="rId4"/>
   </p:sldMasterIdLst>
   <p:notesMasterIdLst>
-    <p:notesMasterId r:id="rId39"/>
+    <p:notesMasterId r:id="rId40"/>
   </p:notesMasterIdLst>
   <p:sldIdLst>
     <p:sldId id="256" r:id="rId5"/>
     <p:sldId id="868" r:id="rId6"/>
     <p:sldId id="911" r:id="rId7"/>
     <p:sldId id="912" r:id="rId8"/>
-    <p:sldId id="941" r:id="rId9"/>
-    <p:sldId id="916" r:id="rId10"/>
-    <p:sldId id="918" r:id="rId11"/>
-    <p:sldId id="913" r:id="rId12"/>
-    <p:sldId id="914" r:id="rId13"/>
-    <p:sldId id="903" r:id="rId14"/>
-    <p:sldId id="906" r:id="rId15"/>
-    <p:sldId id="905" r:id="rId16"/>
-    <p:sldId id="907" r:id="rId17"/>
-    <p:sldId id="908" r:id="rId18"/>
-    <p:sldId id="909" r:id="rId19"/>
-    <p:sldId id="910" r:id="rId20"/>
-    <p:sldId id="915" r:id="rId21"/>
-    <p:sldId id="920" r:id="rId22"/>
-    <p:sldId id="921" r:id="rId23"/>
-    <p:sldId id="922" r:id="rId24"/>
-    <p:sldId id="923" r:id="rId25"/>
-    <p:sldId id="919" r:id="rId26"/>
-    <p:sldId id="929" r:id="rId27"/>
-    <p:sldId id="930" r:id="rId28"/>
-    <p:sldId id="933" r:id="rId29"/>
-    <p:sldId id="935" r:id="rId30"/>
-    <p:sldId id="932" r:id="rId31"/>
-    <p:sldId id="934" r:id="rId32"/>
-    <p:sldId id="937" r:id="rId33"/>
-    <p:sldId id="939" r:id="rId34"/>
-    <p:sldId id="938" r:id="rId35"/>
-    <p:sldId id="936" r:id="rId36"/>
-    <p:sldId id="940" r:id="rId37"/>
-    <p:sldId id="267" r:id="rId38"/>
+    <p:sldId id="942" r:id="rId9"/>
+    <p:sldId id="941" r:id="rId10"/>
+    <p:sldId id="916" r:id="rId11"/>
+    <p:sldId id="918" r:id="rId12"/>
+    <p:sldId id="913" r:id="rId13"/>
+    <p:sldId id="914" r:id="rId14"/>
+    <p:sldId id="903" r:id="rId15"/>
+    <p:sldId id="906" r:id="rId16"/>
+    <p:sldId id="905" r:id="rId17"/>
+    <p:sldId id="907" r:id="rId18"/>
+    <p:sldId id="908" r:id="rId19"/>
+    <p:sldId id="909" r:id="rId20"/>
+    <p:sldId id="910" r:id="rId21"/>
+    <p:sldId id="915" r:id="rId22"/>
+    <p:sldId id="920" r:id="rId23"/>
+    <p:sldId id="921" r:id="rId24"/>
+    <p:sldId id="922" r:id="rId25"/>
+    <p:sldId id="923" r:id="rId26"/>
+    <p:sldId id="919" r:id="rId27"/>
+    <p:sldId id="929" r:id="rId28"/>
+    <p:sldId id="930" r:id="rId29"/>
+    <p:sldId id="933" r:id="rId30"/>
+    <p:sldId id="935" r:id="rId31"/>
+    <p:sldId id="932" r:id="rId32"/>
+    <p:sldId id="934" r:id="rId33"/>
+    <p:sldId id="937" r:id="rId34"/>
+    <p:sldId id="939" r:id="rId35"/>
+    <p:sldId id="938" r:id="rId36"/>
+    <p:sldId id="936" r:id="rId37"/>
+    <p:sldId id="940" r:id="rId38"/>
+    <p:sldId id="267" r:id="rId39"/>
   </p:sldIdLst>
   <p:sldSz cx="12192000" cy="6858000"/>
   <p:notesSz cx="6858000" cy="9144000"/>
@@ -230,7 +231,7 @@
           <a:p>
             <a:fld id="{CC103B50-3B43-4700-9D9C-33EF347343CC}" type="datetimeFigureOut">
               <a:rPr lang="en-GB" smtClean="0"/>
-              <a:t>26/11/2023</a:t>
+              <a:t>28/11/2023</a:t>
             </a:fld>
             <a:endParaRPr lang="en-GB"/>
           </a:p>
@@ -646,7 +647,7 @@
           <a:p>
             <a:fld id="{3849EC84-56AD-4BA5-BD49-B477B6F54BE9}" type="slidenum">
               <a:rPr lang="en-GB" smtClean="0"/>
-              <a:t>28</a:t>
+              <a:t>29</a:t>
             </a:fld>
             <a:endParaRPr lang="en-GB"/>
           </a:p>
@@ -814,7 +815,7 @@
           <a:p>
             <a:fld id="{073F35EF-A6EE-47AC-A495-9B6E931EEBD2}" type="datetimeFigureOut">
               <a:rPr lang="en-GB" smtClean="0"/>
-              <a:t>26/11/2023</a:t>
+              <a:t>28/11/2023</a:t>
             </a:fld>
             <a:endParaRPr lang="en-GB"/>
           </a:p>
@@ -1014,7 +1015,7 @@
           <a:p>
             <a:fld id="{073F35EF-A6EE-47AC-A495-9B6E931EEBD2}" type="datetimeFigureOut">
               <a:rPr lang="en-GB" smtClean="0"/>
-              <a:t>26/11/2023</a:t>
+              <a:t>28/11/2023</a:t>
             </a:fld>
             <a:endParaRPr lang="en-GB"/>
           </a:p>
@@ -1224,7 +1225,7 @@
           <a:p>
             <a:fld id="{073F35EF-A6EE-47AC-A495-9B6E931EEBD2}" type="datetimeFigureOut">
               <a:rPr lang="en-GB" smtClean="0"/>
-              <a:t>26/11/2023</a:t>
+              <a:t>28/11/2023</a:t>
             </a:fld>
             <a:endParaRPr lang="en-GB"/>
           </a:p>
@@ -1585,7 +1586,7 @@
           <a:p>
             <a:fld id="{073F35EF-A6EE-47AC-A495-9B6E931EEBD2}" type="datetimeFigureOut">
               <a:rPr lang="en-GB" smtClean="0"/>
-              <a:t>26/11/2023</a:t>
+              <a:t>28/11/2023</a:t>
             </a:fld>
             <a:endParaRPr lang="en-GB"/>
           </a:p>
@@ -1861,7 +1862,7 @@
           <a:p>
             <a:fld id="{073F35EF-A6EE-47AC-A495-9B6E931EEBD2}" type="datetimeFigureOut">
               <a:rPr lang="en-GB" smtClean="0"/>
-              <a:t>26/11/2023</a:t>
+              <a:t>28/11/2023</a:t>
             </a:fld>
             <a:endParaRPr lang="en-GB"/>
           </a:p>
@@ -2129,7 +2130,7 @@
           <a:p>
             <a:fld id="{073F35EF-A6EE-47AC-A495-9B6E931EEBD2}" type="datetimeFigureOut">
               <a:rPr lang="en-GB" smtClean="0"/>
-              <a:t>26/11/2023</a:t>
+              <a:t>28/11/2023</a:t>
             </a:fld>
             <a:endParaRPr lang="en-GB"/>
           </a:p>
@@ -2544,7 +2545,7 @@
           <a:p>
             <a:fld id="{073F35EF-A6EE-47AC-A495-9B6E931EEBD2}" type="datetimeFigureOut">
               <a:rPr lang="en-GB" smtClean="0"/>
-              <a:t>26/11/2023</a:t>
+              <a:t>28/11/2023</a:t>
             </a:fld>
             <a:endParaRPr lang="en-GB"/>
           </a:p>
@@ -2686,7 +2687,7 @@
           <a:p>
             <a:fld id="{073F35EF-A6EE-47AC-A495-9B6E931EEBD2}" type="datetimeFigureOut">
               <a:rPr lang="en-GB" smtClean="0"/>
-              <a:t>26/11/2023</a:t>
+              <a:t>28/11/2023</a:t>
             </a:fld>
             <a:endParaRPr lang="en-GB"/>
           </a:p>
@@ -2799,7 +2800,7 @@
           <a:p>
             <a:fld id="{073F35EF-A6EE-47AC-A495-9B6E931EEBD2}" type="datetimeFigureOut">
               <a:rPr lang="en-GB" smtClean="0"/>
-              <a:t>26/11/2023</a:t>
+              <a:t>28/11/2023</a:t>
             </a:fld>
             <a:endParaRPr lang="en-GB"/>
           </a:p>
@@ -3112,7 +3113,7 @@
           <a:p>
             <a:fld id="{073F35EF-A6EE-47AC-A495-9B6E931EEBD2}" type="datetimeFigureOut">
               <a:rPr lang="en-GB" smtClean="0"/>
-              <a:t>26/11/2023</a:t>
+              <a:t>28/11/2023</a:t>
             </a:fld>
             <a:endParaRPr lang="en-GB"/>
           </a:p>
@@ -3401,7 +3402,7 @@
           <a:p>
             <a:fld id="{073F35EF-A6EE-47AC-A495-9B6E931EEBD2}" type="datetimeFigureOut">
               <a:rPr lang="en-GB" smtClean="0"/>
-              <a:t>26/11/2023</a:t>
+              <a:t>28/11/2023</a:t>
             </a:fld>
             <a:endParaRPr lang="en-GB"/>
           </a:p>
@@ -3644,7 +3645,7 @@
           <a:p>
             <a:fld id="{073F35EF-A6EE-47AC-A495-9B6E931EEBD2}" type="datetimeFigureOut">
               <a:rPr lang="en-GB" smtClean="0"/>
-              <a:t>26/11/2023</a:t>
+              <a:t>28/11/2023</a:t>
             </a:fld>
             <a:endParaRPr lang="en-GB"/>
           </a:p>
@@ -4323,6 +4324,277 @@
                 <a:effectLst/>
                 <a:latin typeface="Georgia" panose="02040502050405020303" pitchFamily="18" charset="0"/>
               </a:rPr>
+              <a:t>Check Quota</a:t>
+            </a:r>
+            <a:endParaRPr lang="en-GB" sz="2400" b="1" dirty="0">
+              <a:solidFill>
+                <a:schemeClr val="bg1">
+                  <a:lumMod val="50000"/>
+                </a:schemeClr>
+              </a:solidFill>
+              <a:latin typeface="Georgia" panose="02040502050405020303" pitchFamily="18" charset="0"/>
+            </a:endParaRPr>
+          </a:p>
+        </p:txBody>
+      </p:sp>
+      <p:sp>
+        <p:nvSpPr>
+          <p:cNvPr id="2" name="TextBox 1">
+            <a:extLst>
+              <a:ext uri="{FF2B5EF4-FFF2-40B4-BE49-F238E27FC236}">
+                <a16:creationId xmlns:a16="http://schemas.microsoft.com/office/drawing/2014/main" id="{05E4B1E2-8BAE-1DBE-0DD0-52E85B5D65D6}"/>
+              </a:ext>
+            </a:extLst>
+          </p:cNvPr>
+          <p:cNvSpPr txBox="1"/>
+          <p:nvPr/>
+        </p:nvSpPr>
+        <p:spPr>
+          <a:xfrm>
+            <a:off x="838200" y="1690688"/>
+            <a:ext cx="9326877" cy="2677656"/>
+          </a:xfrm>
+          <a:prstGeom prst="rect">
+            <a:avLst/>
+          </a:prstGeom>
+          <a:noFill/>
+        </p:spPr>
+        <p:txBody>
+          <a:bodyPr wrap="square">
+            <a:spAutoFit/>
+          </a:bodyPr>
+          <a:lstStyle/>
+          <a:p>
+            <a:pPr fontAlgn="base"/>
+            <a:r>
+              <a:rPr lang="en-GB" sz="2400" b="0" i="0" dirty="0">
+                <a:solidFill>
+                  <a:srgbClr val="212529"/>
+                </a:solidFill>
+                <a:effectLst/>
+                <a:latin typeface="Libre Franklin" pitchFamily="2" charset="0"/>
+              </a:rPr>
+              <a:t>Python packages can require many gigabytes of storage. By default they are installed in your /home directory. Be sure to run the </a:t>
+            </a:r>
+            <a:r>
+              <a:rPr lang="en-GB" sz="2400" b="0" i="0" dirty="0" err="1">
+                <a:solidFill>
+                  <a:srgbClr val="36464E"/>
+                </a:solidFill>
+                <a:effectLst/>
+                <a:latin typeface="Roboto Mono" panose="00000009000000000000" pitchFamily="49" charset="0"/>
+              </a:rPr>
+              <a:t>my_quota</a:t>
+            </a:r>
+            <a:r>
+              <a:rPr lang="en-GB" sz="2400" b="0" i="0" dirty="0">
+                <a:solidFill>
+                  <a:srgbClr val="212529"/>
+                </a:solidFill>
+                <a:effectLst/>
+                <a:latin typeface="Libre Franklin" pitchFamily="2" charset="0"/>
+              </a:rPr>
+              <a:t> command before installing to make sure that you have space.</a:t>
+            </a:r>
+          </a:p>
+          <a:p>
+            <a:pPr fontAlgn="base"/>
+            <a:endParaRPr lang="en-GB" sz="2400" dirty="0">
+              <a:solidFill>
+                <a:srgbClr val="212529"/>
+              </a:solidFill>
+              <a:latin typeface="Libre Franklin" pitchFamily="2" charset="0"/>
+            </a:endParaRPr>
+          </a:p>
+          <a:p>
+            <a:pPr marL="342900" indent="-342900" fontAlgn="base">
+              <a:buFont typeface="Arial" panose="020B0604020202020204" pitchFamily="34" charset="0"/>
+              <a:buChar char="•"/>
+            </a:pPr>
+            <a:r>
+              <a:rPr lang="en-GB" sz="2400" i="0" dirty="0">
+                <a:effectLst/>
+                <a:latin typeface="Raleway" pitchFamily="2" charset="0"/>
+                <a:hlinkClick r:id="rId2"/>
+              </a:rPr>
+              <a:t>https://docs.baskerville.ac.uk/cheatsheet</a:t>
+            </a:r>
+            <a:endParaRPr lang="en-GB" sz="2400" i="0" dirty="0">
+              <a:effectLst/>
+              <a:latin typeface="Raleway" pitchFamily="2" charset="0"/>
+            </a:endParaRPr>
+          </a:p>
+          <a:p>
+            <a:pPr fontAlgn="base"/>
+            <a:endParaRPr lang="en-GB" sz="2400" i="0" dirty="0">
+              <a:effectLst/>
+              <a:latin typeface="Raleway" pitchFamily="2" charset="0"/>
+            </a:endParaRPr>
+          </a:p>
+        </p:txBody>
+      </p:sp>
+      <p:grpSp>
+        <p:nvGrpSpPr>
+          <p:cNvPr id="3" name="Group 2">
+            <a:extLst>
+              <a:ext uri="{FF2B5EF4-FFF2-40B4-BE49-F238E27FC236}">
+                <a16:creationId xmlns:a16="http://schemas.microsoft.com/office/drawing/2014/main" id="{9F76D0C8-BD1F-6678-222E-D8C512D6B1C7}"/>
+              </a:ext>
+            </a:extLst>
+          </p:cNvPr>
+          <p:cNvGrpSpPr/>
+          <p:nvPr/>
+        </p:nvGrpSpPr>
+        <p:grpSpPr>
+          <a:xfrm>
+            <a:off x="11210925" y="5980912"/>
+            <a:ext cx="960359" cy="877088"/>
+            <a:chOff x="4215988" y="5793696"/>
+            <a:chExt cx="960359" cy="877088"/>
+          </a:xfrm>
+        </p:grpSpPr>
+        <p:pic>
+          <p:nvPicPr>
+            <p:cNvPr id="5" name="Picture 4" descr="A picture containing schematic&#10;&#10;Description automatically generated">
+              <a:extLst>
+                <a:ext uri="{FF2B5EF4-FFF2-40B4-BE49-F238E27FC236}">
+                  <a16:creationId xmlns:a16="http://schemas.microsoft.com/office/drawing/2014/main" id="{659AB8F2-AE30-832C-E607-50A16A56E196}"/>
+                </a:ext>
+              </a:extLst>
+            </p:cNvPr>
+            <p:cNvPicPr>
+              <a:picLocks noChangeAspect="1"/>
+            </p:cNvPicPr>
+            <p:nvPr/>
+          </p:nvPicPr>
+          <p:blipFill>
+            <a:blip r:embed="rId3" cstate="print">
+              <a:extLst>
+                <a:ext uri="{28A0092B-C50C-407E-A947-70E740481C1C}">
+                  <a14:useLocalDpi xmlns:a14="http://schemas.microsoft.com/office/drawing/2010/main" val="0"/>
+                </a:ext>
+              </a:extLst>
+            </a:blip>
+            <a:stretch>
+              <a:fillRect/>
+            </a:stretch>
+          </p:blipFill>
+          <p:spPr>
+            <a:xfrm>
+              <a:off x="4299259" y="5793696"/>
+              <a:ext cx="877088" cy="877088"/>
+            </a:xfrm>
+            <a:prstGeom prst="rect">
+              <a:avLst/>
+            </a:prstGeom>
+          </p:spPr>
+        </p:pic>
+        <p:cxnSp>
+          <p:nvCxnSpPr>
+            <p:cNvPr id="9" name="Straight Connector 8">
+              <a:extLst>
+                <a:ext uri="{FF2B5EF4-FFF2-40B4-BE49-F238E27FC236}">
+                  <a16:creationId xmlns:a16="http://schemas.microsoft.com/office/drawing/2014/main" id="{84AB1C98-594E-F907-0032-08CAC0C02F07}"/>
+                </a:ext>
+              </a:extLst>
+            </p:cNvPr>
+            <p:cNvCxnSpPr/>
+            <p:nvPr/>
+          </p:nvCxnSpPr>
+          <p:spPr>
+            <a:xfrm>
+              <a:off x="4215988" y="6033542"/>
+              <a:ext cx="0" cy="359764"/>
+            </a:xfrm>
+            <a:prstGeom prst="line">
+              <a:avLst/>
+            </a:prstGeom>
+            <a:ln>
+              <a:solidFill>
+                <a:schemeClr val="tx1">
+                  <a:lumMod val="75000"/>
+                  <a:lumOff val="25000"/>
+                </a:schemeClr>
+              </a:solidFill>
+            </a:ln>
+          </p:spPr>
+          <p:style>
+            <a:lnRef idx="2">
+              <a:schemeClr val="dk1"/>
+            </a:lnRef>
+            <a:fillRef idx="0">
+              <a:schemeClr val="dk1"/>
+            </a:fillRef>
+            <a:effectRef idx="1">
+              <a:schemeClr val="dk1"/>
+            </a:effectRef>
+            <a:fontRef idx="minor">
+              <a:schemeClr val="tx1"/>
+            </a:fontRef>
+          </p:style>
+        </p:cxnSp>
+      </p:grpSp>
+    </p:spTree>
+    <p:extLst>
+      <p:ext uri="{BB962C8B-B14F-4D97-AF65-F5344CB8AC3E}">
+        <p14:creationId xmlns:p14="http://schemas.microsoft.com/office/powerpoint/2010/main" val="33358108"/>
+      </p:ext>
+    </p:extLst>
+  </p:cSld>
+  <p:clrMapOvr>
+    <a:masterClrMapping/>
+  </p:clrMapOvr>
+</p:sld>
+</file>
+
+<file path=ppt/slides/slide11.xml><?xml version="1.0" encoding="utf-8"?>
+<p:sld xmlns:a="http://schemas.openxmlformats.org/drawingml/2006/main" xmlns:r="http://schemas.openxmlformats.org/officeDocument/2006/relationships" xmlns:p="http://schemas.openxmlformats.org/presentationml/2006/main">
+  <p:cSld>
+    <p:spTree>
+      <p:nvGrpSpPr>
+        <p:cNvPr id="1" name=""/>
+        <p:cNvGrpSpPr/>
+        <p:nvPr/>
+      </p:nvGrpSpPr>
+      <p:grpSpPr>
+        <a:xfrm>
+          <a:off x="0" y="0"/>
+          <a:ext cx="0" cy="0"/>
+          <a:chOff x="0" y="0"/>
+          <a:chExt cx="0" cy="0"/>
+        </a:xfrm>
+      </p:grpSpPr>
+      <p:sp>
+        <p:nvSpPr>
+          <p:cNvPr id="4" name="Title 3">
+            <a:extLst>
+              <a:ext uri="{FF2B5EF4-FFF2-40B4-BE49-F238E27FC236}">
+                <a16:creationId xmlns:a16="http://schemas.microsoft.com/office/drawing/2014/main" id="{0FF584FD-23D2-4ADF-8806-EEFA9167CCAE}"/>
+              </a:ext>
+            </a:extLst>
+          </p:cNvPr>
+          <p:cNvSpPr>
+            <a:spLocks noGrp="1"/>
+          </p:cNvSpPr>
+          <p:nvPr>
+            <p:ph type="title"/>
+          </p:nvPr>
+        </p:nvSpPr>
+        <p:spPr/>
+        <p:txBody>
+          <a:bodyPr/>
+          <a:lstStyle/>
+          <a:p>
+            <a:r>
+              <a:rPr lang="en-GB" b="1" i="0" dirty="0">
+                <a:solidFill>
+                  <a:schemeClr val="bg1">
+                    <a:lumMod val="50000"/>
+                  </a:schemeClr>
+                </a:solidFill>
+                <a:effectLst/>
+                <a:latin typeface="Georgia" panose="02040502050405020303" pitchFamily="18" charset="0"/>
+              </a:rPr>
               <a:t>Self-installing Python software</a:t>
             </a:r>
             <a:endParaRPr lang="en-GB" sz="2400" b="1" dirty="0">
@@ -4991,7 +5263,7 @@
 </p:sld>
 </file>
 
-<file path=ppt/slides/slide11.xml><?xml version="1.0" encoding="utf-8"?>
+<file path=ppt/slides/slide12.xml><?xml version="1.0" encoding="utf-8"?>
 <p:sld xmlns:a="http://schemas.openxmlformats.org/drawingml/2006/main" xmlns:r="http://schemas.openxmlformats.org/officeDocument/2006/relationships" xmlns:p="http://schemas.openxmlformats.org/presentationml/2006/main">
   <p:cSld>
     <p:spTree>
@@ -5403,7 +5675,7 @@
 </p:sld>
 </file>
 
-<file path=ppt/slides/slide12.xml><?xml version="1.0" encoding="utf-8"?>
+<file path=ppt/slides/slide13.xml><?xml version="1.0" encoding="utf-8"?>
 <p:sld xmlns:a="http://schemas.openxmlformats.org/drawingml/2006/main" xmlns:r="http://schemas.openxmlformats.org/officeDocument/2006/relationships" xmlns:p="http://schemas.openxmlformats.org/presentationml/2006/main">
   <p:cSld>
     <p:spTree>
@@ -5925,7 +6197,7 @@
 </p:sld>
 </file>
 
-<file path=ppt/slides/slide13.xml><?xml version="1.0" encoding="utf-8"?>
+<file path=ppt/slides/slide14.xml><?xml version="1.0" encoding="utf-8"?>
 <p:sld xmlns:a="http://schemas.openxmlformats.org/drawingml/2006/main" xmlns:r="http://schemas.openxmlformats.org/officeDocument/2006/relationships" xmlns:p="http://schemas.openxmlformats.org/presentationml/2006/main">
   <p:cSld>
     <p:spTree>
@@ -6530,7 +6802,7 @@
 </p:sld>
 </file>
 
-<file path=ppt/slides/slide14.xml><?xml version="1.0" encoding="utf-8"?>
+<file path=ppt/slides/slide15.xml><?xml version="1.0" encoding="utf-8"?>
 <p:sld xmlns:a="http://schemas.openxmlformats.org/drawingml/2006/main" xmlns:r="http://schemas.openxmlformats.org/officeDocument/2006/relationships" xmlns:p="http://schemas.openxmlformats.org/presentationml/2006/main">
   <p:cSld>
     <p:spTree>
@@ -6949,7 +7221,7 @@
 </p:sld>
 </file>
 
-<file path=ppt/slides/slide15.xml><?xml version="1.0" encoding="utf-8"?>
+<file path=ppt/slides/slide16.xml><?xml version="1.0" encoding="utf-8"?>
 <p:sld xmlns:a="http://schemas.openxmlformats.org/drawingml/2006/main" xmlns:r="http://schemas.openxmlformats.org/officeDocument/2006/relationships" xmlns:p="http://schemas.openxmlformats.org/presentationml/2006/main">
   <p:cSld>
     <p:spTree>
@@ -7421,7 +7693,7 @@
 </p:sld>
 </file>
 
-<file path=ppt/slides/slide16.xml><?xml version="1.0" encoding="utf-8"?>
+<file path=ppt/slides/slide17.xml><?xml version="1.0" encoding="utf-8"?>
 <p:sld xmlns:a="http://schemas.openxmlformats.org/drawingml/2006/main" xmlns:r="http://schemas.openxmlformats.org/officeDocument/2006/relationships" xmlns:p="http://schemas.openxmlformats.org/presentationml/2006/main">
   <p:cSld>
     <p:spTree>
@@ -7843,7 +8115,7 @@
 </p:sld>
 </file>
 
-<file path=ppt/slides/slide17.xml><?xml version="1.0" encoding="utf-8"?>
+<file path=ppt/slides/slide18.xml><?xml version="1.0" encoding="utf-8"?>
 <p:sld xmlns:a="http://schemas.openxmlformats.org/drawingml/2006/main" xmlns:r="http://schemas.openxmlformats.org/officeDocument/2006/relationships" xmlns:p="http://schemas.openxmlformats.org/presentationml/2006/main">
   <p:cSld>
     <p:spTree>
@@ -8115,7 +8387,7 @@
 </p:sld>
 </file>
 
-<file path=ppt/slides/slide18.xml><?xml version="1.0" encoding="utf-8"?>
+<file path=ppt/slides/slide19.xml><?xml version="1.0" encoding="utf-8"?>
 <p:sld xmlns:a="http://schemas.openxmlformats.org/drawingml/2006/main" xmlns:r="http://schemas.openxmlformats.org/officeDocument/2006/relationships" xmlns:p="http://schemas.openxmlformats.org/presentationml/2006/main">
   <p:cSld>
     <p:spTree>
@@ -8394,613 +8666,6 @@
     <p:extLst>
       <p:ext uri="{BB962C8B-B14F-4D97-AF65-F5344CB8AC3E}">
         <p14:creationId xmlns:p14="http://schemas.microsoft.com/office/powerpoint/2010/main" val="1301655009"/>
-      </p:ext>
-    </p:extLst>
-  </p:cSld>
-  <p:clrMapOvr>
-    <a:masterClrMapping/>
-  </p:clrMapOvr>
-</p:sld>
-</file>
-
-<file path=ppt/slides/slide19.xml><?xml version="1.0" encoding="utf-8"?>
-<p:sld xmlns:a="http://schemas.openxmlformats.org/drawingml/2006/main" xmlns:r="http://schemas.openxmlformats.org/officeDocument/2006/relationships" xmlns:p="http://schemas.openxmlformats.org/presentationml/2006/main">
-  <p:cSld>
-    <p:spTree>
-      <p:nvGrpSpPr>
-        <p:cNvPr id="1" name=""/>
-        <p:cNvGrpSpPr/>
-        <p:nvPr/>
-      </p:nvGrpSpPr>
-      <p:grpSpPr>
-        <a:xfrm>
-          <a:off x="0" y="0"/>
-          <a:ext cx="0" cy="0"/>
-          <a:chOff x="0" y="0"/>
-          <a:chExt cx="0" cy="0"/>
-        </a:xfrm>
-      </p:grpSpPr>
-      <p:sp>
-        <p:nvSpPr>
-          <p:cNvPr id="4" name="Title 3">
-            <a:extLst>
-              <a:ext uri="{FF2B5EF4-FFF2-40B4-BE49-F238E27FC236}">
-                <a16:creationId xmlns:a16="http://schemas.microsoft.com/office/drawing/2014/main" id="{0FF584FD-23D2-4ADF-8806-EEFA9167CCAE}"/>
-              </a:ext>
-            </a:extLst>
-          </p:cNvPr>
-          <p:cNvSpPr>
-            <a:spLocks noGrp="1"/>
-          </p:cNvSpPr>
-          <p:nvPr>
-            <p:ph type="title"/>
-          </p:nvPr>
-        </p:nvSpPr>
-        <p:spPr/>
-        <p:txBody>
-          <a:bodyPr>
-            <a:normAutofit/>
-          </a:bodyPr>
-          <a:lstStyle/>
-          <a:p>
-            <a:r>
-              <a:rPr lang="en-GB" b="1" i="0" u="none" strike="noStrike" dirty="0">
-                <a:solidFill>
-                  <a:schemeClr val="bg1">
-                    <a:lumMod val="50000"/>
-                  </a:schemeClr>
-                </a:solidFill>
-                <a:effectLst/>
-                <a:latin typeface="Georgia" panose="02040502050405020303" pitchFamily="18" charset="0"/>
-              </a:rPr>
-              <a:t>Common FAQ</a:t>
-            </a:r>
-            <a:endParaRPr lang="en-GB" sz="2400" b="1" dirty="0">
-              <a:solidFill>
-                <a:schemeClr val="bg1">
-                  <a:lumMod val="50000"/>
-                </a:schemeClr>
-              </a:solidFill>
-              <a:latin typeface="Georgia" panose="02040502050405020303" pitchFamily="18" charset="0"/>
-            </a:endParaRPr>
-          </a:p>
-        </p:txBody>
-      </p:sp>
-      <p:sp>
-        <p:nvSpPr>
-          <p:cNvPr id="2" name="TextBox 1">
-            <a:extLst>
-              <a:ext uri="{FF2B5EF4-FFF2-40B4-BE49-F238E27FC236}">
-                <a16:creationId xmlns:a16="http://schemas.microsoft.com/office/drawing/2014/main" id="{22CEDA9E-BF8F-EDCD-5E14-287ACC211027}"/>
-              </a:ext>
-            </a:extLst>
-          </p:cNvPr>
-          <p:cNvSpPr txBox="1"/>
-          <p:nvPr/>
-        </p:nvSpPr>
-        <p:spPr>
-          <a:xfrm>
-            <a:off x="633620" y="1490869"/>
-            <a:ext cx="9326877" cy="3785652"/>
-          </a:xfrm>
-          <a:prstGeom prst="rect">
-            <a:avLst/>
-          </a:prstGeom>
-          <a:noFill/>
-        </p:spPr>
-        <p:txBody>
-          <a:bodyPr wrap="square">
-            <a:spAutoFit/>
-          </a:bodyPr>
-          <a:lstStyle/>
-          <a:p>
-            <a:pPr marL="342900" indent="-342900" algn="l">
-              <a:buFont typeface="Arial" panose="020B0604020202020204" pitchFamily="34" charset="0"/>
-              <a:buChar char="•"/>
-            </a:pPr>
-            <a:r>
-              <a:rPr lang="en-GB" sz="2400" dirty="0">
-                <a:effectLst/>
-                <a:latin typeface="Arial" panose="020B0604020202020204" pitchFamily="34" charset="0"/>
-                <a:ea typeface="Times New Roman" panose="02020603050405020304" pitchFamily="18" charset="0"/>
-              </a:rPr>
-              <a:t>How are my pip packages built? Which optimization flags are used? </a:t>
-            </a:r>
-          </a:p>
-          <a:p>
-            <a:pPr marL="800100" lvl="1" indent="-342900">
-              <a:buFont typeface="Arial" panose="020B0604020202020204" pitchFamily="34" charset="0"/>
-              <a:buChar char="•"/>
-            </a:pPr>
-            <a:r>
-              <a:rPr lang="en-GB" sz="2400" dirty="0">
-                <a:effectLst/>
-                <a:latin typeface="Arial" panose="020B0604020202020204" pitchFamily="34" charset="0"/>
-                <a:ea typeface="Times New Roman" panose="02020603050405020304" pitchFamily="18" charset="0"/>
-              </a:rPr>
-              <a:t>After loading the </a:t>
-            </a:r>
-            <a:r>
-              <a:rPr lang="en-GB" sz="2400" dirty="0" err="1">
-                <a:effectLst/>
-                <a:latin typeface="Arial" panose="020B0604020202020204" pitchFamily="34" charset="0"/>
-                <a:ea typeface="Times New Roman" panose="02020603050405020304" pitchFamily="18" charset="0"/>
-              </a:rPr>
-              <a:t>miniconda</a:t>
-            </a:r>
-            <a:r>
-              <a:rPr lang="en-GB" sz="2400" dirty="0">
-                <a:latin typeface="Arial" panose="020B0604020202020204" pitchFamily="34" charset="0"/>
-                <a:ea typeface="Times New Roman" panose="02020603050405020304" pitchFamily="18" charset="0"/>
-              </a:rPr>
-              <a:t>/conda</a:t>
-            </a:r>
-            <a:r>
-              <a:rPr lang="en-GB" sz="2400" dirty="0">
-                <a:effectLst/>
-                <a:latin typeface="Arial" panose="020B0604020202020204" pitchFamily="34" charset="0"/>
-                <a:ea typeface="Times New Roman" panose="02020603050405020304" pitchFamily="18" charset="0"/>
-              </a:rPr>
-              <a:t> module, run this command: </a:t>
-            </a:r>
-          </a:p>
-          <a:p>
-            <a:pPr marL="800100" lvl="1" indent="-342900">
-              <a:buFont typeface="Arial" panose="020B0604020202020204" pitchFamily="34" charset="0"/>
-              <a:buChar char="•"/>
-            </a:pPr>
-            <a:endParaRPr lang="en-GB" sz="2400" dirty="0">
-              <a:effectLst/>
-              <a:latin typeface="Arial" panose="020B0604020202020204" pitchFamily="34" charset="0"/>
-              <a:ea typeface="Times New Roman" panose="02020603050405020304" pitchFamily="18" charset="0"/>
-            </a:endParaRPr>
-          </a:p>
-          <a:p>
-            <a:pPr lvl="1"/>
-            <a:r>
-              <a:rPr lang="en-GB" sz="2400" dirty="0">
-                <a:effectLst/>
-                <a:latin typeface="Arial" panose="020B0604020202020204" pitchFamily="34" charset="0"/>
-                <a:ea typeface="Times New Roman" panose="02020603050405020304" pitchFamily="18" charset="0"/>
-              </a:rPr>
-              <a:t>python3.7-config --</a:t>
-            </a:r>
-            <a:r>
-              <a:rPr lang="en-GB" sz="2400" dirty="0" err="1">
-                <a:effectLst/>
-                <a:latin typeface="Arial" panose="020B0604020202020204" pitchFamily="34" charset="0"/>
-                <a:ea typeface="Times New Roman" panose="02020603050405020304" pitchFamily="18" charset="0"/>
-              </a:rPr>
-              <a:t>cflags</a:t>
-            </a:r>
-            <a:r>
-              <a:rPr lang="en-GB" sz="2400" dirty="0">
-                <a:effectLst/>
-                <a:latin typeface="Arial" panose="020B0604020202020204" pitchFamily="34" charset="0"/>
-                <a:ea typeface="Times New Roman" panose="02020603050405020304" pitchFamily="18" charset="0"/>
-              </a:rPr>
-              <a:t>. </a:t>
-            </a:r>
-          </a:p>
-          <a:p>
-            <a:pPr marL="800100" lvl="1" indent="-342900">
-              <a:buFont typeface="Arial" panose="020B0604020202020204" pitchFamily="34" charset="0"/>
-              <a:buChar char="•"/>
-            </a:pPr>
-            <a:r>
-              <a:rPr lang="en-GB" sz="2400" dirty="0">
-                <a:effectLst/>
-                <a:latin typeface="Arial" panose="020B0604020202020204" pitchFamily="34" charset="0"/>
-                <a:ea typeface="Times New Roman" panose="02020603050405020304" pitchFamily="18" charset="0"/>
-              </a:rPr>
-              <a:t>To force a package to be built from source with certain optimization flags do, for example: </a:t>
-            </a:r>
-          </a:p>
-          <a:p>
-            <a:pPr marL="800100" lvl="1" indent="-342900">
-              <a:buFont typeface="Arial" panose="020B0604020202020204" pitchFamily="34" charset="0"/>
-              <a:buChar char="•"/>
-            </a:pPr>
-            <a:r>
-              <a:rPr lang="en-GB" sz="2400" dirty="0">
-                <a:effectLst/>
-                <a:latin typeface="Arial" panose="020B0604020202020204" pitchFamily="34" charset="0"/>
-                <a:ea typeface="Times New Roman" panose="02020603050405020304" pitchFamily="18" charset="0"/>
-              </a:rPr>
-              <a:t>CFLAGS="-O1" pip install </a:t>
-            </a:r>
-            <a:r>
-              <a:rPr lang="en-GB" sz="2400" dirty="0" err="1">
-                <a:effectLst/>
-                <a:latin typeface="Arial" panose="020B0604020202020204" pitchFamily="34" charset="0"/>
-                <a:ea typeface="Times New Roman" panose="02020603050405020304" pitchFamily="18" charset="0"/>
-              </a:rPr>
-              <a:t>numpy</a:t>
-            </a:r>
-            <a:r>
-              <a:rPr lang="en-GB" sz="2400" dirty="0">
-                <a:effectLst/>
-                <a:latin typeface="Arial" panose="020B0604020202020204" pitchFamily="34" charset="0"/>
-                <a:ea typeface="Times New Roman" panose="02020603050405020304" pitchFamily="18" charset="0"/>
-              </a:rPr>
-              <a:t> -</a:t>
-            </a:r>
-            <a:r>
-              <a:rPr lang="en-GB" sz="2400" dirty="0" err="1">
-                <a:effectLst/>
-                <a:latin typeface="Arial" panose="020B0604020202020204" pitchFamily="34" charset="0"/>
-                <a:ea typeface="Times New Roman" panose="02020603050405020304" pitchFamily="18" charset="0"/>
-              </a:rPr>
-              <a:t>vvv</a:t>
-            </a:r>
-            <a:r>
-              <a:rPr lang="en-GB" sz="2400" dirty="0">
-                <a:effectLst/>
-                <a:latin typeface="Arial" panose="020B0604020202020204" pitchFamily="34" charset="0"/>
-                <a:ea typeface="Times New Roman" panose="02020603050405020304" pitchFamily="18" charset="0"/>
-              </a:rPr>
-              <a:t> --no-binary=</a:t>
-            </a:r>
-            <a:r>
-              <a:rPr lang="en-GB" sz="2400" dirty="0" err="1">
-                <a:effectLst/>
-                <a:latin typeface="Arial" panose="020B0604020202020204" pitchFamily="34" charset="0"/>
-                <a:ea typeface="Times New Roman" panose="02020603050405020304" pitchFamily="18" charset="0"/>
-              </a:rPr>
-              <a:t>numpy</a:t>
-            </a:r>
-            <a:endParaRPr lang="en-GB" sz="2400" dirty="0">
-              <a:effectLst/>
-              <a:latin typeface="Arial" panose="020B0604020202020204" pitchFamily="34" charset="0"/>
-              <a:ea typeface="Times New Roman" panose="02020603050405020304" pitchFamily="18" charset="0"/>
-            </a:endParaRPr>
-          </a:p>
-          <a:p>
-            <a:pPr lvl="1"/>
-            <a:endParaRPr lang="en-GB" sz="2400" dirty="0">
-              <a:effectLst/>
-              <a:latin typeface="Arial" panose="020B0604020202020204" pitchFamily="34" charset="0"/>
-              <a:ea typeface="Times New Roman" panose="02020603050405020304" pitchFamily="18" charset="0"/>
-            </a:endParaRPr>
-          </a:p>
-        </p:txBody>
-      </p:sp>
-      <p:grpSp>
-        <p:nvGrpSpPr>
-          <p:cNvPr id="3" name="Group 2">
-            <a:extLst>
-              <a:ext uri="{FF2B5EF4-FFF2-40B4-BE49-F238E27FC236}">
-                <a16:creationId xmlns:a16="http://schemas.microsoft.com/office/drawing/2014/main" id="{56A1F684-1E39-9C20-5029-A627EF40E014}"/>
-              </a:ext>
-            </a:extLst>
-          </p:cNvPr>
-          <p:cNvGrpSpPr/>
-          <p:nvPr/>
-        </p:nvGrpSpPr>
-        <p:grpSpPr>
-          <a:xfrm>
-            <a:off x="11210925" y="5980912"/>
-            <a:ext cx="960359" cy="877088"/>
-            <a:chOff x="4215988" y="5793696"/>
-            <a:chExt cx="960359" cy="877088"/>
-          </a:xfrm>
-        </p:grpSpPr>
-        <p:pic>
-          <p:nvPicPr>
-            <p:cNvPr id="5" name="Picture 4" descr="A picture containing schematic&#10;&#10;Description automatically generated">
-              <a:extLst>
-                <a:ext uri="{FF2B5EF4-FFF2-40B4-BE49-F238E27FC236}">
-                  <a16:creationId xmlns:a16="http://schemas.microsoft.com/office/drawing/2014/main" id="{9A14DD02-465D-9DBB-6069-4ED73FE69216}"/>
-                </a:ext>
-              </a:extLst>
-            </p:cNvPr>
-            <p:cNvPicPr>
-              <a:picLocks noChangeAspect="1"/>
-            </p:cNvPicPr>
-            <p:nvPr/>
-          </p:nvPicPr>
-          <p:blipFill>
-            <a:blip r:embed="rId2" cstate="print">
-              <a:extLst>
-                <a:ext uri="{28A0092B-C50C-407E-A947-70E740481C1C}">
-                  <a14:useLocalDpi xmlns:a14="http://schemas.microsoft.com/office/drawing/2010/main" val="0"/>
-                </a:ext>
-              </a:extLst>
-            </a:blip>
-            <a:stretch>
-              <a:fillRect/>
-            </a:stretch>
-          </p:blipFill>
-          <p:spPr>
-            <a:xfrm>
-              <a:off x="4299259" y="5793696"/>
-              <a:ext cx="877088" cy="877088"/>
-            </a:xfrm>
-            <a:prstGeom prst="rect">
-              <a:avLst/>
-            </a:prstGeom>
-          </p:spPr>
-        </p:pic>
-        <p:cxnSp>
-          <p:nvCxnSpPr>
-            <p:cNvPr id="9" name="Straight Connector 8">
-              <a:extLst>
-                <a:ext uri="{FF2B5EF4-FFF2-40B4-BE49-F238E27FC236}">
-                  <a16:creationId xmlns:a16="http://schemas.microsoft.com/office/drawing/2014/main" id="{1D1B5AD4-11FE-BDD2-EA03-74551284EA2D}"/>
-                </a:ext>
-              </a:extLst>
-            </p:cNvPr>
-            <p:cNvCxnSpPr/>
-            <p:nvPr/>
-          </p:nvCxnSpPr>
-          <p:spPr>
-            <a:xfrm>
-              <a:off x="4215988" y="6033542"/>
-              <a:ext cx="0" cy="359764"/>
-            </a:xfrm>
-            <a:prstGeom prst="line">
-              <a:avLst/>
-            </a:prstGeom>
-            <a:ln>
-              <a:solidFill>
-                <a:schemeClr val="tx1">
-                  <a:lumMod val="75000"/>
-                  <a:lumOff val="25000"/>
-                </a:schemeClr>
-              </a:solidFill>
-            </a:ln>
-          </p:spPr>
-          <p:style>
-            <a:lnRef idx="2">
-              <a:schemeClr val="dk1"/>
-            </a:lnRef>
-            <a:fillRef idx="0">
-              <a:schemeClr val="dk1"/>
-            </a:fillRef>
-            <a:effectRef idx="1">
-              <a:schemeClr val="dk1"/>
-            </a:effectRef>
-            <a:fontRef idx="minor">
-              <a:schemeClr val="tx1"/>
-            </a:fontRef>
-          </p:style>
-        </p:cxnSp>
-      </p:grpSp>
-      <p:sp>
-        <p:nvSpPr>
-          <p:cNvPr id="6" name="Rectangle 2">
-            <a:extLst>
-              <a:ext uri="{FF2B5EF4-FFF2-40B4-BE49-F238E27FC236}">
-                <a16:creationId xmlns:a16="http://schemas.microsoft.com/office/drawing/2014/main" id="{4C93B654-47B8-728F-DEDE-B0925E8FD23E}"/>
-              </a:ext>
-            </a:extLst>
-          </p:cNvPr>
-          <p:cNvSpPr>
-            <a:spLocks noChangeArrowheads="1"/>
-          </p:cNvSpPr>
-          <p:nvPr/>
-        </p:nvSpPr>
-        <p:spPr bwMode="auto">
-          <a:xfrm>
-            <a:off x="723899" y="2986554"/>
-            <a:ext cx="10372725" cy="1910759"/>
-          </a:xfrm>
-          <a:prstGeom prst="rect">
-            <a:avLst/>
-          </a:prstGeom>
-          <a:solidFill>
-            <a:schemeClr val="dk1"/>
-          </a:solidFill>
-          <a:ln>
-            <a:noFill/>
-          </a:ln>
-        </p:spPr>
-        <p:style>
-          <a:lnRef idx="0">
-            <a:scrgbClr r="0" g="0" b="0"/>
-          </a:lnRef>
-          <a:fillRef idx="0">
-            <a:scrgbClr r="0" g="0" b="0"/>
-          </a:fillRef>
-          <a:effectRef idx="0">
-            <a:scrgbClr r="0" g="0" b="0"/>
-          </a:effectRef>
-          <a:fontRef idx="minor">
-            <a:schemeClr val="lt1"/>
-          </a:fontRef>
-        </p:style>
-        <p:txBody>
-          <a:bodyPr vert="horz" wrap="square" lIns="0" tIns="0" rIns="0" bIns="63480" numCol="1" anchor="ctr" anchorCtr="0" compatLnSpc="1">
-            <a:prstTxWarp prst="textNoShape">
-              <a:avLst/>
-            </a:prstTxWarp>
-            <a:spAutoFit/>
-          </a:bodyPr>
-          <a:lstStyle/>
-          <a:p>
-            <a:pPr marL="0" marR="0" lvl="0" indent="0" algn="l" defTabSz="914400" rtl="0" eaLnBrk="0" fontAlgn="base" latinLnBrk="0" hangingPunct="0">
-              <a:lnSpc>
-                <a:spcPct val="100000"/>
-              </a:lnSpc>
-              <a:spcBef>
-                <a:spcPct val="0"/>
-              </a:spcBef>
-              <a:spcAft>
-                <a:spcPct val="0"/>
-              </a:spcAft>
-              <a:buClrTx/>
-              <a:buSzTx/>
-              <a:buFontTx/>
-              <a:buNone/>
-              <a:tabLst/>
-            </a:pPr>
-            <a:r>
-              <a:rPr kumimoji="0" lang="en-GB" altLang="en-US" sz="2400" b="0" i="0" u="none" strike="noStrike" cap="none" normalizeH="0" baseline="0" dirty="0">
-                <a:ln>
-                  <a:noFill/>
-                </a:ln>
-                <a:solidFill>
-                  <a:schemeClr val="bg1"/>
-                </a:solidFill>
-                <a:effectLst/>
-                <a:latin typeface="Consolas" panose="020B0609020204030204" pitchFamily="49" charset="0"/>
-              </a:rPr>
-              <a:t>  $module load bask-apps/live</a:t>
-            </a:r>
-          </a:p>
-          <a:p>
-            <a:pPr marL="0" marR="0" lvl="0" indent="0" algn="l" defTabSz="914400" rtl="0" eaLnBrk="0" fontAlgn="base" latinLnBrk="0" hangingPunct="0">
-              <a:lnSpc>
-                <a:spcPct val="100000"/>
-              </a:lnSpc>
-              <a:spcBef>
-                <a:spcPct val="0"/>
-              </a:spcBef>
-              <a:spcAft>
-                <a:spcPct val="0"/>
-              </a:spcAft>
-              <a:buClrTx/>
-              <a:buSzTx/>
-              <a:buFontTx/>
-              <a:buNone/>
-              <a:tabLst/>
-            </a:pPr>
-            <a:r>
-              <a:rPr kumimoji="0" lang="en-GB" altLang="en-US" sz="2400" b="0" i="0" u="none" strike="noStrike" cap="none" normalizeH="0" baseline="0" dirty="0">
-                <a:ln>
-                  <a:noFill/>
-                </a:ln>
-                <a:solidFill>
-                  <a:schemeClr val="bg1"/>
-                </a:solidFill>
-                <a:effectLst/>
-                <a:latin typeface="Consolas" panose="020B0609020204030204" pitchFamily="49" charset="0"/>
-              </a:rPr>
-              <a:t>  $module load Miniconda3/4.10.3</a:t>
-            </a:r>
-          </a:p>
-          <a:p>
-            <a:pPr marL="0" marR="0" lvl="0" indent="0" algn="l" defTabSz="914400" rtl="0" eaLnBrk="0" fontAlgn="base" latinLnBrk="0" hangingPunct="0">
-              <a:lnSpc>
-                <a:spcPct val="100000"/>
-              </a:lnSpc>
-              <a:spcBef>
-                <a:spcPct val="0"/>
-              </a:spcBef>
-              <a:spcAft>
-                <a:spcPct val="0"/>
-              </a:spcAft>
-              <a:buClrTx/>
-              <a:buSzTx/>
-              <a:buFontTx/>
-              <a:buNone/>
-              <a:tabLst/>
-            </a:pPr>
-            <a:r>
-              <a:rPr kumimoji="0" lang="en-GB" altLang="en-US" sz="2400" b="0" i="0" u="none" strike="noStrike" cap="none" normalizeH="0" baseline="0" dirty="0">
-                <a:ln>
-                  <a:noFill/>
-                </a:ln>
-                <a:solidFill>
-                  <a:schemeClr val="bg1"/>
-                </a:solidFill>
-                <a:effectLst/>
-                <a:latin typeface="Consolas" panose="020B0609020204030204" pitchFamily="49" charset="0"/>
-              </a:rPr>
-              <a:t>  $which python3</a:t>
-            </a:r>
-          </a:p>
-          <a:p>
-            <a:pPr marL="0" marR="0" lvl="0" indent="0" algn="l" defTabSz="914400" rtl="0" eaLnBrk="0" fontAlgn="base" latinLnBrk="0" hangingPunct="0">
-              <a:lnSpc>
-                <a:spcPct val="100000"/>
-              </a:lnSpc>
-              <a:spcBef>
-                <a:spcPct val="0"/>
-              </a:spcBef>
-              <a:spcAft>
-                <a:spcPct val="0"/>
-              </a:spcAft>
-              <a:buClrTx/>
-              <a:buSzTx/>
-              <a:buFontTx/>
-              <a:buNone/>
-              <a:tabLst/>
-            </a:pPr>
-            <a:r>
-              <a:rPr kumimoji="0" lang="en-GB" altLang="en-US" sz="2400" b="0" i="0" u="none" strike="noStrike" cap="none" normalizeH="0" baseline="0" dirty="0">
-                <a:ln>
-                  <a:noFill/>
-                </a:ln>
-                <a:solidFill>
-                  <a:schemeClr val="bg1"/>
-                </a:solidFill>
-                <a:effectLst/>
-                <a:latin typeface="Consolas" panose="020B0609020204030204" pitchFamily="49" charset="0"/>
-              </a:rPr>
-              <a:t>  $python3 --version</a:t>
-            </a:r>
-          </a:p>
-          <a:p>
-            <a:pPr marL="0" marR="0" lvl="0" indent="0" algn="l" defTabSz="914400" rtl="0" eaLnBrk="0" fontAlgn="base" latinLnBrk="0" hangingPunct="0">
-              <a:lnSpc>
-                <a:spcPct val="100000"/>
-              </a:lnSpc>
-              <a:spcBef>
-                <a:spcPct val="0"/>
-              </a:spcBef>
-              <a:spcAft>
-                <a:spcPct val="0"/>
-              </a:spcAft>
-              <a:buClrTx/>
-              <a:buSzTx/>
-              <a:buFontTx/>
-              <a:buNone/>
-              <a:tabLst/>
-            </a:pPr>
-            <a:r>
-              <a:rPr kumimoji="0" lang="en-GB" altLang="en-US" sz="2400" b="0" i="0" u="none" strike="noStrike" cap="none" normalizeH="0" baseline="0" dirty="0">
-                <a:ln>
-                  <a:noFill/>
-                </a:ln>
-                <a:solidFill>
-                  <a:schemeClr val="bg1"/>
-                </a:solidFill>
-                <a:effectLst/>
-                <a:latin typeface="Consolas" panose="020B0609020204030204" pitchFamily="49" charset="0"/>
-              </a:rPr>
-              <a:t>  $python3.9-config --</a:t>
-            </a:r>
-            <a:r>
-              <a:rPr kumimoji="0" lang="en-GB" altLang="en-US" sz="2400" b="0" i="0" u="none" strike="noStrike" cap="none" normalizeH="0" baseline="0" dirty="0" err="1">
-                <a:ln>
-                  <a:noFill/>
-                </a:ln>
-                <a:solidFill>
-                  <a:schemeClr val="bg1"/>
-                </a:solidFill>
-                <a:effectLst/>
-                <a:latin typeface="Consolas" panose="020B0609020204030204" pitchFamily="49" charset="0"/>
-              </a:rPr>
-              <a:t>cflags</a:t>
-            </a:r>
-            <a:endParaRPr kumimoji="0" lang="en-US" altLang="en-US" sz="2400" b="0" i="0" u="none" strike="noStrike" cap="none" normalizeH="0" baseline="0" dirty="0">
-              <a:ln>
-                <a:noFill/>
-              </a:ln>
-              <a:solidFill>
-                <a:schemeClr val="bg1"/>
-              </a:solidFill>
-              <a:effectLst/>
-              <a:latin typeface="Consolas" panose="020B0609020204030204" pitchFamily="49" charset="0"/>
-            </a:endParaRPr>
-          </a:p>
-        </p:txBody>
-      </p:sp>
-    </p:spTree>
-    <p:extLst>
-      <p:ext uri="{BB962C8B-B14F-4D97-AF65-F5344CB8AC3E}">
-        <p14:creationId xmlns:p14="http://schemas.microsoft.com/office/powerpoint/2010/main" val="1399758856"/>
       </p:ext>
     </p:extLst>
   </p:cSld>
@@ -9466,6 +9131,613 @@
         <p:spPr>
           <a:xfrm>
             <a:off x="633620" y="1490869"/>
+            <a:ext cx="9326877" cy="3785652"/>
+          </a:xfrm>
+          <a:prstGeom prst="rect">
+            <a:avLst/>
+          </a:prstGeom>
+          <a:noFill/>
+        </p:spPr>
+        <p:txBody>
+          <a:bodyPr wrap="square">
+            <a:spAutoFit/>
+          </a:bodyPr>
+          <a:lstStyle/>
+          <a:p>
+            <a:pPr marL="342900" indent="-342900" algn="l">
+              <a:buFont typeface="Arial" panose="020B0604020202020204" pitchFamily="34" charset="0"/>
+              <a:buChar char="•"/>
+            </a:pPr>
+            <a:r>
+              <a:rPr lang="en-GB" sz="2400" dirty="0">
+                <a:effectLst/>
+                <a:latin typeface="Arial" panose="020B0604020202020204" pitchFamily="34" charset="0"/>
+                <a:ea typeface="Times New Roman" panose="02020603050405020304" pitchFamily="18" charset="0"/>
+              </a:rPr>
+              <a:t>How are my pip packages built? Which optimization flags are used? </a:t>
+            </a:r>
+          </a:p>
+          <a:p>
+            <a:pPr marL="800100" lvl="1" indent="-342900">
+              <a:buFont typeface="Arial" panose="020B0604020202020204" pitchFamily="34" charset="0"/>
+              <a:buChar char="•"/>
+            </a:pPr>
+            <a:r>
+              <a:rPr lang="en-GB" sz="2400" dirty="0">
+                <a:effectLst/>
+                <a:latin typeface="Arial" panose="020B0604020202020204" pitchFamily="34" charset="0"/>
+                <a:ea typeface="Times New Roman" panose="02020603050405020304" pitchFamily="18" charset="0"/>
+              </a:rPr>
+              <a:t>After loading the </a:t>
+            </a:r>
+            <a:r>
+              <a:rPr lang="en-GB" sz="2400" dirty="0" err="1">
+                <a:effectLst/>
+                <a:latin typeface="Arial" panose="020B0604020202020204" pitchFamily="34" charset="0"/>
+                <a:ea typeface="Times New Roman" panose="02020603050405020304" pitchFamily="18" charset="0"/>
+              </a:rPr>
+              <a:t>miniconda</a:t>
+            </a:r>
+            <a:r>
+              <a:rPr lang="en-GB" sz="2400" dirty="0">
+                <a:latin typeface="Arial" panose="020B0604020202020204" pitchFamily="34" charset="0"/>
+                <a:ea typeface="Times New Roman" panose="02020603050405020304" pitchFamily="18" charset="0"/>
+              </a:rPr>
+              <a:t>/conda</a:t>
+            </a:r>
+            <a:r>
+              <a:rPr lang="en-GB" sz="2400" dirty="0">
+                <a:effectLst/>
+                <a:latin typeface="Arial" panose="020B0604020202020204" pitchFamily="34" charset="0"/>
+                <a:ea typeface="Times New Roman" panose="02020603050405020304" pitchFamily="18" charset="0"/>
+              </a:rPr>
+              <a:t> module, run this command: </a:t>
+            </a:r>
+          </a:p>
+          <a:p>
+            <a:pPr marL="800100" lvl="1" indent="-342900">
+              <a:buFont typeface="Arial" panose="020B0604020202020204" pitchFamily="34" charset="0"/>
+              <a:buChar char="•"/>
+            </a:pPr>
+            <a:endParaRPr lang="en-GB" sz="2400" dirty="0">
+              <a:effectLst/>
+              <a:latin typeface="Arial" panose="020B0604020202020204" pitchFamily="34" charset="0"/>
+              <a:ea typeface="Times New Roman" panose="02020603050405020304" pitchFamily="18" charset="0"/>
+            </a:endParaRPr>
+          </a:p>
+          <a:p>
+            <a:pPr lvl="1"/>
+            <a:r>
+              <a:rPr lang="en-GB" sz="2400" dirty="0">
+                <a:effectLst/>
+                <a:latin typeface="Arial" panose="020B0604020202020204" pitchFamily="34" charset="0"/>
+                <a:ea typeface="Times New Roman" panose="02020603050405020304" pitchFamily="18" charset="0"/>
+              </a:rPr>
+              <a:t>python3.7-config --</a:t>
+            </a:r>
+            <a:r>
+              <a:rPr lang="en-GB" sz="2400" dirty="0" err="1">
+                <a:effectLst/>
+                <a:latin typeface="Arial" panose="020B0604020202020204" pitchFamily="34" charset="0"/>
+                <a:ea typeface="Times New Roman" panose="02020603050405020304" pitchFamily="18" charset="0"/>
+              </a:rPr>
+              <a:t>cflags</a:t>
+            </a:r>
+            <a:r>
+              <a:rPr lang="en-GB" sz="2400" dirty="0">
+                <a:effectLst/>
+                <a:latin typeface="Arial" panose="020B0604020202020204" pitchFamily="34" charset="0"/>
+                <a:ea typeface="Times New Roman" panose="02020603050405020304" pitchFamily="18" charset="0"/>
+              </a:rPr>
+              <a:t>. </a:t>
+            </a:r>
+          </a:p>
+          <a:p>
+            <a:pPr marL="800100" lvl="1" indent="-342900">
+              <a:buFont typeface="Arial" panose="020B0604020202020204" pitchFamily="34" charset="0"/>
+              <a:buChar char="•"/>
+            </a:pPr>
+            <a:r>
+              <a:rPr lang="en-GB" sz="2400" dirty="0">
+                <a:effectLst/>
+                <a:latin typeface="Arial" panose="020B0604020202020204" pitchFamily="34" charset="0"/>
+                <a:ea typeface="Times New Roman" panose="02020603050405020304" pitchFamily="18" charset="0"/>
+              </a:rPr>
+              <a:t>To force a package to be built from source with certain optimization flags do, for example: </a:t>
+            </a:r>
+          </a:p>
+          <a:p>
+            <a:pPr marL="800100" lvl="1" indent="-342900">
+              <a:buFont typeface="Arial" panose="020B0604020202020204" pitchFamily="34" charset="0"/>
+              <a:buChar char="•"/>
+            </a:pPr>
+            <a:r>
+              <a:rPr lang="en-GB" sz="2400" dirty="0">
+                <a:effectLst/>
+                <a:latin typeface="Arial" panose="020B0604020202020204" pitchFamily="34" charset="0"/>
+                <a:ea typeface="Times New Roman" panose="02020603050405020304" pitchFamily="18" charset="0"/>
+              </a:rPr>
+              <a:t>CFLAGS="-O1" pip install </a:t>
+            </a:r>
+            <a:r>
+              <a:rPr lang="en-GB" sz="2400" dirty="0" err="1">
+                <a:effectLst/>
+                <a:latin typeface="Arial" panose="020B0604020202020204" pitchFamily="34" charset="0"/>
+                <a:ea typeface="Times New Roman" panose="02020603050405020304" pitchFamily="18" charset="0"/>
+              </a:rPr>
+              <a:t>numpy</a:t>
+            </a:r>
+            <a:r>
+              <a:rPr lang="en-GB" sz="2400" dirty="0">
+                <a:effectLst/>
+                <a:latin typeface="Arial" panose="020B0604020202020204" pitchFamily="34" charset="0"/>
+                <a:ea typeface="Times New Roman" panose="02020603050405020304" pitchFamily="18" charset="0"/>
+              </a:rPr>
+              <a:t> -</a:t>
+            </a:r>
+            <a:r>
+              <a:rPr lang="en-GB" sz="2400" dirty="0" err="1">
+                <a:effectLst/>
+                <a:latin typeface="Arial" panose="020B0604020202020204" pitchFamily="34" charset="0"/>
+                <a:ea typeface="Times New Roman" panose="02020603050405020304" pitchFamily="18" charset="0"/>
+              </a:rPr>
+              <a:t>vvv</a:t>
+            </a:r>
+            <a:r>
+              <a:rPr lang="en-GB" sz="2400" dirty="0">
+                <a:effectLst/>
+                <a:latin typeface="Arial" panose="020B0604020202020204" pitchFamily="34" charset="0"/>
+                <a:ea typeface="Times New Roman" panose="02020603050405020304" pitchFamily="18" charset="0"/>
+              </a:rPr>
+              <a:t> --no-binary=</a:t>
+            </a:r>
+            <a:r>
+              <a:rPr lang="en-GB" sz="2400" dirty="0" err="1">
+                <a:effectLst/>
+                <a:latin typeface="Arial" panose="020B0604020202020204" pitchFamily="34" charset="0"/>
+                <a:ea typeface="Times New Roman" panose="02020603050405020304" pitchFamily="18" charset="0"/>
+              </a:rPr>
+              <a:t>numpy</a:t>
+            </a:r>
+            <a:endParaRPr lang="en-GB" sz="2400" dirty="0">
+              <a:effectLst/>
+              <a:latin typeface="Arial" panose="020B0604020202020204" pitchFamily="34" charset="0"/>
+              <a:ea typeface="Times New Roman" panose="02020603050405020304" pitchFamily="18" charset="0"/>
+            </a:endParaRPr>
+          </a:p>
+          <a:p>
+            <a:pPr lvl="1"/>
+            <a:endParaRPr lang="en-GB" sz="2400" dirty="0">
+              <a:effectLst/>
+              <a:latin typeface="Arial" panose="020B0604020202020204" pitchFamily="34" charset="0"/>
+              <a:ea typeface="Times New Roman" panose="02020603050405020304" pitchFamily="18" charset="0"/>
+            </a:endParaRPr>
+          </a:p>
+        </p:txBody>
+      </p:sp>
+      <p:grpSp>
+        <p:nvGrpSpPr>
+          <p:cNvPr id="3" name="Group 2">
+            <a:extLst>
+              <a:ext uri="{FF2B5EF4-FFF2-40B4-BE49-F238E27FC236}">
+                <a16:creationId xmlns:a16="http://schemas.microsoft.com/office/drawing/2014/main" id="{56A1F684-1E39-9C20-5029-A627EF40E014}"/>
+              </a:ext>
+            </a:extLst>
+          </p:cNvPr>
+          <p:cNvGrpSpPr/>
+          <p:nvPr/>
+        </p:nvGrpSpPr>
+        <p:grpSpPr>
+          <a:xfrm>
+            <a:off x="11210925" y="5980912"/>
+            <a:ext cx="960359" cy="877088"/>
+            <a:chOff x="4215988" y="5793696"/>
+            <a:chExt cx="960359" cy="877088"/>
+          </a:xfrm>
+        </p:grpSpPr>
+        <p:pic>
+          <p:nvPicPr>
+            <p:cNvPr id="5" name="Picture 4" descr="A picture containing schematic&#10;&#10;Description automatically generated">
+              <a:extLst>
+                <a:ext uri="{FF2B5EF4-FFF2-40B4-BE49-F238E27FC236}">
+                  <a16:creationId xmlns:a16="http://schemas.microsoft.com/office/drawing/2014/main" id="{9A14DD02-465D-9DBB-6069-4ED73FE69216}"/>
+                </a:ext>
+              </a:extLst>
+            </p:cNvPr>
+            <p:cNvPicPr>
+              <a:picLocks noChangeAspect="1"/>
+            </p:cNvPicPr>
+            <p:nvPr/>
+          </p:nvPicPr>
+          <p:blipFill>
+            <a:blip r:embed="rId2" cstate="print">
+              <a:extLst>
+                <a:ext uri="{28A0092B-C50C-407E-A947-70E740481C1C}">
+                  <a14:useLocalDpi xmlns:a14="http://schemas.microsoft.com/office/drawing/2010/main" val="0"/>
+                </a:ext>
+              </a:extLst>
+            </a:blip>
+            <a:stretch>
+              <a:fillRect/>
+            </a:stretch>
+          </p:blipFill>
+          <p:spPr>
+            <a:xfrm>
+              <a:off x="4299259" y="5793696"/>
+              <a:ext cx="877088" cy="877088"/>
+            </a:xfrm>
+            <a:prstGeom prst="rect">
+              <a:avLst/>
+            </a:prstGeom>
+          </p:spPr>
+        </p:pic>
+        <p:cxnSp>
+          <p:nvCxnSpPr>
+            <p:cNvPr id="9" name="Straight Connector 8">
+              <a:extLst>
+                <a:ext uri="{FF2B5EF4-FFF2-40B4-BE49-F238E27FC236}">
+                  <a16:creationId xmlns:a16="http://schemas.microsoft.com/office/drawing/2014/main" id="{1D1B5AD4-11FE-BDD2-EA03-74551284EA2D}"/>
+                </a:ext>
+              </a:extLst>
+            </p:cNvPr>
+            <p:cNvCxnSpPr/>
+            <p:nvPr/>
+          </p:nvCxnSpPr>
+          <p:spPr>
+            <a:xfrm>
+              <a:off x="4215988" y="6033542"/>
+              <a:ext cx="0" cy="359764"/>
+            </a:xfrm>
+            <a:prstGeom prst="line">
+              <a:avLst/>
+            </a:prstGeom>
+            <a:ln>
+              <a:solidFill>
+                <a:schemeClr val="tx1">
+                  <a:lumMod val="75000"/>
+                  <a:lumOff val="25000"/>
+                </a:schemeClr>
+              </a:solidFill>
+            </a:ln>
+          </p:spPr>
+          <p:style>
+            <a:lnRef idx="2">
+              <a:schemeClr val="dk1"/>
+            </a:lnRef>
+            <a:fillRef idx="0">
+              <a:schemeClr val="dk1"/>
+            </a:fillRef>
+            <a:effectRef idx="1">
+              <a:schemeClr val="dk1"/>
+            </a:effectRef>
+            <a:fontRef idx="minor">
+              <a:schemeClr val="tx1"/>
+            </a:fontRef>
+          </p:style>
+        </p:cxnSp>
+      </p:grpSp>
+      <p:sp>
+        <p:nvSpPr>
+          <p:cNvPr id="6" name="Rectangle 2">
+            <a:extLst>
+              <a:ext uri="{FF2B5EF4-FFF2-40B4-BE49-F238E27FC236}">
+                <a16:creationId xmlns:a16="http://schemas.microsoft.com/office/drawing/2014/main" id="{4C93B654-47B8-728F-DEDE-B0925E8FD23E}"/>
+              </a:ext>
+            </a:extLst>
+          </p:cNvPr>
+          <p:cNvSpPr>
+            <a:spLocks noChangeArrowheads="1"/>
+          </p:cNvSpPr>
+          <p:nvPr/>
+        </p:nvSpPr>
+        <p:spPr bwMode="auto">
+          <a:xfrm>
+            <a:off x="723899" y="2986554"/>
+            <a:ext cx="10372725" cy="1910759"/>
+          </a:xfrm>
+          <a:prstGeom prst="rect">
+            <a:avLst/>
+          </a:prstGeom>
+          <a:solidFill>
+            <a:schemeClr val="dk1"/>
+          </a:solidFill>
+          <a:ln>
+            <a:noFill/>
+          </a:ln>
+        </p:spPr>
+        <p:style>
+          <a:lnRef idx="0">
+            <a:scrgbClr r="0" g="0" b="0"/>
+          </a:lnRef>
+          <a:fillRef idx="0">
+            <a:scrgbClr r="0" g="0" b="0"/>
+          </a:fillRef>
+          <a:effectRef idx="0">
+            <a:scrgbClr r="0" g="0" b="0"/>
+          </a:effectRef>
+          <a:fontRef idx="minor">
+            <a:schemeClr val="lt1"/>
+          </a:fontRef>
+        </p:style>
+        <p:txBody>
+          <a:bodyPr vert="horz" wrap="square" lIns="0" tIns="0" rIns="0" bIns="63480" numCol="1" anchor="ctr" anchorCtr="0" compatLnSpc="1">
+            <a:prstTxWarp prst="textNoShape">
+              <a:avLst/>
+            </a:prstTxWarp>
+            <a:spAutoFit/>
+          </a:bodyPr>
+          <a:lstStyle/>
+          <a:p>
+            <a:pPr marL="0" marR="0" lvl="0" indent="0" algn="l" defTabSz="914400" rtl="0" eaLnBrk="0" fontAlgn="base" latinLnBrk="0" hangingPunct="0">
+              <a:lnSpc>
+                <a:spcPct val="100000"/>
+              </a:lnSpc>
+              <a:spcBef>
+                <a:spcPct val="0"/>
+              </a:spcBef>
+              <a:spcAft>
+                <a:spcPct val="0"/>
+              </a:spcAft>
+              <a:buClrTx/>
+              <a:buSzTx/>
+              <a:buFontTx/>
+              <a:buNone/>
+              <a:tabLst/>
+            </a:pPr>
+            <a:r>
+              <a:rPr kumimoji="0" lang="en-GB" altLang="en-US" sz="2400" b="0" i="0" u="none" strike="noStrike" cap="none" normalizeH="0" baseline="0" dirty="0">
+                <a:ln>
+                  <a:noFill/>
+                </a:ln>
+                <a:solidFill>
+                  <a:schemeClr val="bg1"/>
+                </a:solidFill>
+                <a:effectLst/>
+                <a:latin typeface="Consolas" panose="020B0609020204030204" pitchFamily="49" charset="0"/>
+              </a:rPr>
+              <a:t>  $module load bask-apps/live</a:t>
+            </a:r>
+          </a:p>
+          <a:p>
+            <a:pPr marL="0" marR="0" lvl="0" indent="0" algn="l" defTabSz="914400" rtl="0" eaLnBrk="0" fontAlgn="base" latinLnBrk="0" hangingPunct="0">
+              <a:lnSpc>
+                <a:spcPct val="100000"/>
+              </a:lnSpc>
+              <a:spcBef>
+                <a:spcPct val="0"/>
+              </a:spcBef>
+              <a:spcAft>
+                <a:spcPct val="0"/>
+              </a:spcAft>
+              <a:buClrTx/>
+              <a:buSzTx/>
+              <a:buFontTx/>
+              <a:buNone/>
+              <a:tabLst/>
+            </a:pPr>
+            <a:r>
+              <a:rPr kumimoji="0" lang="en-GB" altLang="en-US" sz="2400" b="0" i="0" u="none" strike="noStrike" cap="none" normalizeH="0" baseline="0" dirty="0">
+                <a:ln>
+                  <a:noFill/>
+                </a:ln>
+                <a:solidFill>
+                  <a:schemeClr val="bg1"/>
+                </a:solidFill>
+                <a:effectLst/>
+                <a:latin typeface="Consolas" panose="020B0609020204030204" pitchFamily="49" charset="0"/>
+              </a:rPr>
+              <a:t>  $module load Miniconda3/4.10.3</a:t>
+            </a:r>
+          </a:p>
+          <a:p>
+            <a:pPr marL="0" marR="0" lvl="0" indent="0" algn="l" defTabSz="914400" rtl="0" eaLnBrk="0" fontAlgn="base" latinLnBrk="0" hangingPunct="0">
+              <a:lnSpc>
+                <a:spcPct val="100000"/>
+              </a:lnSpc>
+              <a:spcBef>
+                <a:spcPct val="0"/>
+              </a:spcBef>
+              <a:spcAft>
+                <a:spcPct val="0"/>
+              </a:spcAft>
+              <a:buClrTx/>
+              <a:buSzTx/>
+              <a:buFontTx/>
+              <a:buNone/>
+              <a:tabLst/>
+            </a:pPr>
+            <a:r>
+              <a:rPr kumimoji="0" lang="en-GB" altLang="en-US" sz="2400" b="0" i="0" u="none" strike="noStrike" cap="none" normalizeH="0" baseline="0" dirty="0">
+                <a:ln>
+                  <a:noFill/>
+                </a:ln>
+                <a:solidFill>
+                  <a:schemeClr val="bg1"/>
+                </a:solidFill>
+                <a:effectLst/>
+                <a:latin typeface="Consolas" panose="020B0609020204030204" pitchFamily="49" charset="0"/>
+              </a:rPr>
+              <a:t>  $which python3</a:t>
+            </a:r>
+          </a:p>
+          <a:p>
+            <a:pPr marL="0" marR="0" lvl="0" indent="0" algn="l" defTabSz="914400" rtl="0" eaLnBrk="0" fontAlgn="base" latinLnBrk="0" hangingPunct="0">
+              <a:lnSpc>
+                <a:spcPct val="100000"/>
+              </a:lnSpc>
+              <a:spcBef>
+                <a:spcPct val="0"/>
+              </a:spcBef>
+              <a:spcAft>
+                <a:spcPct val="0"/>
+              </a:spcAft>
+              <a:buClrTx/>
+              <a:buSzTx/>
+              <a:buFontTx/>
+              <a:buNone/>
+              <a:tabLst/>
+            </a:pPr>
+            <a:r>
+              <a:rPr kumimoji="0" lang="en-GB" altLang="en-US" sz="2400" b="0" i="0" u="none" strike="noStrike" cap="none" normalizeH="0" baseline="0" dirty="0">
+                <a:ln>
+                  <a:noFill/>
+                </a:ln>
+                <a:solidFill>
+                  <a:schemeClr val="bg1"/>
+                </a:solidFill>
+                <a:effectLst/>
+                <a:latin typeface="Consolas" panose="020B0609020204030204" pitchFamily="49" charset="0"/>
+              </a:rPr>
+              <a:t>  $python3 --version</a:t>
+            </a:r>
+          </a:p>
+          <a:p>
+            <a:pPr marL="0" marR="0" lvl="0" indent="0" algn="l" defTabSz="914400" rtl="0" eaLnBrk="0" fontAlgn="base" latinLnBrk="0" hangingPunct="0">
+              <a:lnSpc>
+                <a:spcPct val="100000"/>
+              </a:lnSpc>
+              <a:spcBef>
+                <a:spcPct val="0"/>
+              </a:spcBef>
+              <a:spcAft>
+                <a:spcPct val="0"/>
+              </a:spcAft>
+              <a:buClrTx/>
+              <a:buSzTx/>
+              <a:buFontTx/>
+              <a:buNone/>
+              <a:tabLst/>
+            </a:pPr>
+            <a:r>
+              <a:rPr kumimoji="0" lang="en-GB" altLang="en-US" sz="2400" b="0" i="0" u="none" strike="noStrike" cap="none" normalizeH="0" baseline="0" dirty="0">
+                <a:ln>
+                  <a:noFill/>
+                </a:ln>
+                <a:solidFill>
+                  <a:schemeClr val="bg1"/>
+                </a:solidFill>
+                <a:effectLst/>
+                <a:latin typeface="Consolas" panose="020B0609020204030204" pitchFamily="49" charset="0"/>
+              </a:rPr>
+              <a:t>  $python3.9-config --</a:t>
+            </a:r>
+            <a:r>
+              <a:rPr kumimoji="0" lang="en-GB" altLang="en-US" sz="2400" b="0" i="0" u="none" strike="noStrike" cap="none" normalizeH="0" baseline="0" dirty="0" err="1">
+                <a:ln>
+                  <a:noFill/>
+                </a:ln>
+                <a:solidFill>
+                  <a:schemeClr val="bg1"/>
+                </a:solidFill>
+                <a:effectLst/>
+                <a:latin typeface="Consolas" panose="020B0609020204030204" pitchFamily="49" charset="0"/>
+              </a:rPr>
+              <a:t>cflags</a:t>
+            </a:r>
+            <a:endParaRPr kumimoji="0" lang="en-US" altLang="en-US" sz="2400" b="0" i="0" u="none" strike="noStrike" cap="none" normalizeH="0" baseline="0" dirty="0">
+              <a:ln>
+                <a:noFill/>
+              </a:ln>
+              <a:solidFill>
+                <a:schemeClr val="bg1"/>
+              </a:solidFill>
+              <a:effectLst/>
+              <a:latin typeface="Consolas" panose="020B0609020204030204" pitchFamily="49" charset="0"/>
+            </a:endParaRPr>
+          </a:p>
+        </p:txBody>
+      </p:sp>
+    </p:spTree>
+    <p:extLst>
+      <p:ext uri="{BB962C8B-B14F-4D97-AF65-F5344CB8AC3E}">
+        <p14:creationId xmlns:p14="http://schemas.microsoft.com/office/powerpoint/2010/main" val="1399758856"/>
+      </p:ext>
+    </p:extLst>
+  </p:cSld>
+  <p:clrMapOvr>
+    <a:masterClrMapping/>
+  </p:clrMapOvr>
+</p:sld>
+</file>
+
+<file path=ppt/slides/slide21.xml><?xml version="1.0" encoding="utf-8"?>
+<p:sld xmlns:a="http://schemas.openxmlformats.org/drawingml/2006/main" xmlns:r="http://schemas.openxmlformats.org/officeDocument/2006/relationships" xmlns:p="http://schemas.openxmlformats.org/presentationml/2006/main">
+  <p:cSld>
+    <p:spTree>
+      <p:nvGrpSpPr>
+        <p:cNvPr id="1" name=""/>
+        <p:cNvGrpSpPr/>
+        <p:nvPr/>
+      </p:nvGrpSpPr>
+      <p:grpSpPr>
+        <a:xfrm>
+          <a:off x="0" y="0"/>
+          <a:ext cx="0" cy="0"/>
+          <a:chOff x="0" y="0"/>
+          <a:chExt cx="0" cy="0"/>
+        </a:xfrm>
+      </p:grpSpPr>
+      <p:sp>
+        <p:nvSpPr>
+          <p:cNvPr id="4" name="Title 3">
+            <a:extLst>
+              <a:ext uri="{FF2B5EF4-FFF2-40B4-BE49-F238E27FC236}">
+                <a16:creationId xmlns:a16="http://schemas.microsoft.com/office/drawing/2014/main" id="{0FF584FD-23D2-4ADF-8806-EEFA9167CCAE}"/>
+              </a:ext>
+            </a:extLst>
+          </p:cNvPr>
+          <p:cNvSpPr>
+            <a:spLocks noGrp="1"/>
+          </p:cNvSpPr>
+          <p:nvPr>
+            <p:ph type="title"/>
+          </p:nvPr>
+        </p:nvSpPr>
+        <p:spPr/>
+        <p:txBody>
+          <a:bodyPr>
+            <a:normAutofit/>
+          </a:bodyPr>
+          <a:lstStyle/>
+          <a:p>
+            <a:r>
+              <a:rPr lang="en-GB" b="1" i="0" u="none" strike="noStrike" dirty="0">
+                <a:solidFill>
+                  <a:schemeClr val="bg1">
+                    <a:lumMod val="50000"/>
+                  </a:schemeClr>
+                </a:solidFill>
+                <a:effectLst/>
+                <a:latin typeface="Georgia" panose="02040502050405020303" pitchFamily="18" charset="0"/>
+              </a:rPr>
+              <a:t>Common FAQ</a:t>
+            </a:r>
+            <a:endParaRPr lang="en-GB" sz="2400" b="1" dirty="0">
+              <a:solidFill>
+                <a:schemeClr val="bg1">
+                  <a:lumMod val="50000"/>
+                </a:schemeClr>
+              </a:solidFill>
+              <a:latin typeface="Georgia" panose="02040502050405020303" pitchFamily="18" charset="0"/>
+            </a:endParaRPr>
+          </a:p>
+        </p:txBody>
+      </p:sp>
+      <p:sp>
+        <p:nvSpPr>
+          <p:cNvPr id="2" name="TextBox 1">
+            <a:extLst>
+              <a:ext uri="{FF2B5EF4-FFF2-40B4-BE49-F238E27FC236}">
+                <a16:creationId xmlns:a16="http://schemas.microsoft.com/office/drawing/2014/main" id="{22CEDA9E-BF8F-EDCD-5E14-287ACC211027}"/>
+              </a:ext>
+            </a:extLst>
+          </p:cNvPr>
+          <p:cNvSpPr txBox="1"/>
+          <p:nvPr/>
+        </p:nvSpPr>
+        <p:spPr>
+          <a:xfrm>
+            <a:off x="633620" y="1490869"/>
             <a:ext cx="9326877" cy="1569660"/>
           </a:xfrm>
           <a:prstGeom prst="rect">
@@ -9675,7 +9947,7 @@
 </p:sld>
 </file>
 
-<file path=ppt/slides/slide21.xml><?xml version="1.0" encoding="utf-8"?>
+<file path=ppt/slides/slide22.xml><?xml version="1.0" encoding="utf-8"?>
 <p:sld xmlns:a="http://schemas.openxmlformats.org/drawingml/2006/main" xmlns:r="http://schemas.openxmlformats.org/officeDocument/2006/relationships" xmlns:p="http://schemas.openxmlformats.org/presentationml/2006/main">
   <p:cSld>
     <p:spTree>
@@ -10213,7 +10485,7 @@
 </p:sld>
 </file>
 
-<file path=ppt/slides/slide22.xml><?xml version="1.0" encoding="utf-8"?>
+<file path=ppt/slides/slide23.xml><?xml version="1.0" encoding="utf-8"?>
 <p:sld xmlns:a="http://schemas.openxmlformats.org/drawingml/2006/main" xmlns:r="http://schemas.openxmlformats.org/officeDocument/2006/relationships" xmlns:p="http://schemas.openxmlformats.org/presentationml/2006/main">
   <p:cSld>
     <p:spTree>
@@ -10745,7 +11017,7 @@
 </p:sld>
 </file>
 
-<file path=ppt/slides/slide23.xml><?xml version="1.0" encoding="utf-8"?>
+<file path=ppt/slides/slide24.xml><?xml version="1.0" encoding="utf-8"?>
 <p:sld xmlns:a="http://schemas.openxmlformats.org/drawingml/2006/main" xmlns:r="http://schemas.openxmlformats.org/officeDocument/2006/relationships" xmlns:p="http://schemas.openxmlformats.org/presentationml/2006/main">
   <p:cSld>
     <p:spTree>
@@ -11119,7 +11391,7 @@
 </p:sld>
 </file>
 
-<file path=ppt/slides/slide24.xml><?xml version="1.0" encoding="utf-8"?>
+<file path=ppt/slides/slide25.xml><?xml version="1.0" encoding="utf-8"?>
 <p:sld xmlns:a="http://schemas.openxmlformats.org/drawingml/2006/main" xmlns:r="http://schemas.openxmlformats.org/officeDocument/2006/relationships" xmlns:p="http://schemas.openxmlformats.org/presentationml/2006/main">
   <p:cSld>
     <p:spTree>
@@ -11420,7 +11692,7 @@
 </p:sld>
 </file>
 
-<file path=ppt/slides/slide25.xml><?xml version="1.0" encoding="utf-8"?>
+<file path=ppt/slides/slide26.xml><?xml version="1.0" encoding="utf-8"?>
 <p:sld xmlns:a="http://schemas.openxmlformats.org/drawingml/2006/main" xmlns:r="http://schemas.openxmlformats.org/officeDocument/2006/relationships" xmlns:p="http://schemas.openxmlformats.org/presentationml/2006/main">
   <p:cSld>
     <p:spTree>
@@ -11869,7 +12141,7 @@
 </p:sld>
 </file>
 
-<file path=ppt/slides/slide26.xml><?xml version="1.0" encoding="utf-8"?>
+<file path=ppt/slides/slide27.xml><?xml version="1.0" encoding="utf-8"?>
 <p:sld xmlns:a="http://schemas.openxmlformats.org/drawingml/2006/main" xmlns:r="http://schemas.openxmlformats.org/officeDocument/2006/relationships" xmlns:p="http://schemas.openxmlformats.org/presentationml/2006/main">
   <p:cSld>
     <p:spTree>
@@ -12082,7 +12354,7 @@
 </p:sld>
 </file>
 
-<file path=ppt/slides/slide27.xml><?xml version="1.0" encoding="utf-8"?>
+<file path=ppt/slides/slide28.xml><?xml version="1.0" encoding="utf-8"?>
 <p:sld xmlns:a="http://schemas.openxmlformats.org/drawingml/2006/main" xmlns:r="http://schemas.openxmlformats.org/officeDocument/2006/relationships" xmlns:p="http://schemas.openxmlformats.org/presentationml/2006/main">
   <p:cSld>
     <p:spTree>
@@ -12461,7 +12733,7 @@
 </p:sld>
 </file>
 
-<file path=ppt/slides/slide28.xml><?xml version="1.0" encoding="utf-8"?>
+<file path=ppt/slides/slide29.xml><?xml version="1.0" encoding="utf-8"?>
 <p:sld xmlns:a="http://schemas.openxmlformats.org/drawingml/2006/main" xmlns:r="http://schemas.openxmlformats.org/officeDocument/2006/relationships" xmlns:p="http://schemas.openxmlformats.org/presentationml/2006/main">
   <p:cSld>
     <p:spTree>
@@ -12665,335 +12937,6 @@
     <p:extLst>
       <p:ext uri="{BB962C8B-B14F-4D97-AF65-F5344CB8AC3E}">
         <p14:creationId xmlns:p14="http://schemas.microsoft.com/office/powerpoint/2010/main" val="3968151420"/>
-      </p:ext>
-    </p:extLst>
-  </p:cSld>
-  <p:clrMapOvr>
-    <a:masterClrMapping/>
-  </p:clrMapOvr>
-</p:sld>
-</file>
-
-<file path=ppt/slides/slide29.xml><?xml version="1.0" encoding="utf-8"?>
-<p:sld xmlns:a="http://schemas.openxmlformats.org/drawingml/2006/main" xmlns:r="http://schemas.openxmlformats.org/officeDocument/2006/relationships" xmlns:p="http://schemas.openxmlformats.org/presentationml/2006/main">
-  <p:cSld>
-    <p:spTree>
-      <p:nvGrpSpPr>
-        <p:cNvPr id="1" name=""/>
-        <p:cNvGrpSpPr/>
-        <p:nvPr/>
-      </p:nvGrpSpPr>
-      <p:grpSpPr>
-        <a:xfrm>
-          <a:off x="0" y="0"/>
-          <a:ext cx="0" cy="0"/>
-          <a:chOff x="0" y="0"/>
-          <a:chExt cx="0" cy="0"/>
-        </a:xfrm>
-      </p:grpSpPr>
-      <p:sp>
-        <p:nvSpPr>
-          <p:cNvPr id="4" name="Title 3">
-            <a:extLst>
-              <a:ext uri="{FF2B5EF4-FFF2-40B4-BE49-F238E27FC236}">
-                <a16:creationId xmlns:a16="http://schemas.microsoft.com/office/drawing/2014/main" id="{0FF584FD-23D2-4ADF-8806-EEFA9167CCAE}"/>
-              </a:ext>
-            </a:extLst>
-          </p:cNvPr>
-          <p:cNvSpPr>
-            <a:spLocks noGrp="1"/>
-          </p:cNvSpPr>
-          <p:nvPr>
-            <p:ph type="title"/>
-          </p:nvPr>
-        </p:nvSpPr>
-        <p:spPr/>
-        <p:txBody>
-          <a:bodyPr>
-            <a:normAutofit/>
-          </a:bodyPr>
-          <a:lstStyle/>
-          <a:p>
-            <a:r>
-              <a:rPr lang="en-GB" b="1" i="0" u="none" strike="noStrike" dirty="0">
-                <a:solidFill>
-                  <a:schemeClr val="bg1">
-                    <a:lumMod val="50000"/>
-                  </a:schemeClr>
-                </a:solidFill>
-                <a:effectLst/>
-                <a:latin typeface="Georgia" panose="02040502050405020303" pitchFamily="18" charset="0"/>
-              </a:rPr>
-              <a:t>Singularity/Apptainer MPI</a:t>
-            </a:r>
-            <a:endParaRPr lang="en-GB" sz="2400" b="1" dirty="0">
-              <a:solidFill>
-                <a:schemeClr val="bg1">
-                  <a:lumMod val="50000"/>
-                </a:schemeClr>
-              </a:solidFill>
-              <a:latin typeface="Georgia" panose="02040502050405020303" pitchFamily="18" charset="0"/>
-            </a:endParaRPr>
-          </a:p>
-        </p:txBody>
-      </p:sp>
-      <p:grpSp>
-        <p:nvGrpSpPr>
-          <p:cNvPr id="3" name="Group 2">
-            <a:extLst>
-              <a:ext uri="{FF2B5EF4-FFF2-40B4-BE49-F238E27FC236}">
-                <a16:creationId xmlns:a16="http://schemas.microsoft.com/office/drawing/2014/main" id="{56A1F684-1E39-9C20-5029-A627EF40E014}"/>
-              </a:ext>
-            </a:extLst>
-          </p:cNvPr>
-          <p:cNvGrpSpPr/>
-          <p:nvPr/>
-        </p:nvGrpSpPr>
-        <p:grpSpPr>
-          <a:xfrm>
-            <a:off x="11210925" y="5980912"/>
-            <a:ext cx="960359" cy="877088"/>
-            <a:chOff x="4215988" y="5793696"/>
-            <a:chExt cx="960359" cy="877088"/>
-          </a:xfrm>
-        </p:grpSpPr>
-        <p:pic>
-          <p:nvPicPr>
-            <p:cNvPr id="5" name="Picture 4" descr="A picture containing schematic&#10;&#10;Description automatically generated">
-              <a:extLst>
-                <a:ext uri="{FF2B5EF4-FFF2-40B4-BE49-F238E27FC236}">
-                  <a16:creationId xmlns:a16="http://schemas.microsoft.com/office/drawing/2014/main" id="{9A14DD02-465D-9DBB-6069-4ED73FE69216}"/>
-                </a:ext>
-              </a:extLst>
-            </p:cNvPr>
-            <p:cNvPicPr>
-              <a:picLocks noChangeAspect="1"/>
-            </p:cNvPicPr>
-            <p:nvPr/>
-          </p:nvPicPr>
-          <p:blipFill>
-            <a:blip r:embed="rId2" cstate="print">
-              <a:extLst>
-                <a:ext uri="{28A0092B-C50C-407E-A947-70E740481C1C}">
-                  <a14:useLocalDpi xmlns:a14="http://schemas.microsoft.com/office/drawing/2010/main" val="0"/>
-                </a:ext>
-              </a:extLst>
-            </a:blip>
-            <a:stretch>
-              <a:fillRect/>
-            </a:stretch>
-          </p:blipFill>
-          <p:spPr>
-            <a:xfrm>
-              <a:off x="4299259" y="5793696"/>
-              <a:ext cx="877088" cy="877088"/>
-            </a:xfrm>
-            <a:prstGeom prst="rect">
-              <a:avLst/>
-            </a:prstGeom>
-          </p:spPr>
-        </p:pic>
-        <p:cxnSp>
-          <p:nvCxnSpPr>
-            <p:cNvPr id="9" name="Straight Connector 8">
-              <a:extLst>
-                <a:ext uri="{FF2B5EF4-FFF2-40B4-BE49-F238E27FC236}">
-                  <a16:creationId xmlns:a16="http://schemas.microsoft.com/office/drawing/2014/main" id="{1D1B5AD4-11FE-BDD2-EA03-74551284EA2D}"/>
-                </a:ext>
-              </a:extLst>
-            </p:cNvPr>
-            <p:cNvCxnSpPr/>
-            <p:nvPr/>
-          </p:nvCxnSpPr>
-          <p:spPr>
-            <a:xfrm>
-              <a:off x="4215988" y="6033542"/>
-              <a:ext cx="0" cy="359764"/>
-            </a:xfrm>
-            <a:prstGeom prst="line">
-              <a:avLst/>
-            </a:prstGeom>
-            <a:ln>
-              <a:solidFill>
-                <a:schemeClr val="tx1">
-                  <a:lumMod val="75000"/>
-                  <a:lumOff val="25000"/>
-                </a:schemeClr>
-              </a:solidFill>
-            </a:ln>
-          </p:spPr>
-          <p:style>
-            <a:lnRef idx="2">
-              <a:schemeClr val="dk1"/>
-            </a:lnRef>
-            <a:fillRef idx="0">
-              <a:schemeClr val="dk1"/>
-            </a:fillRef>
-            <a:effectRef idx="1">
-              <a:schemeClr val="dk1"/>
-            </a:effectRef>
-            <a:fontRef idx="minor">
-              <a:schemeClr val="tx1"/>
-            </a:fontRef>
-          </p:style>
-        </p:cxnSp>
-      </p:grpSp>
-      <p:sp>
-        <p:nvSpPr>
-          <p:cNvPr id="2" name="TextBox 1">
-            <a:extLst>
-              <a:ext uri="{FF2B5EF4-FFF2-40B4-BE49-F238E27FC236}">
-                <a16:creationId xmlns:a16="http://schemas.microsoft.com/office/drawing/2014/main" id="{D05B81A7-8466-BB82-5747-0FBDEF0A53AE}"/>
-              </a:ext>
-            </a:extLst>
-          </p:cNvPr>
-          <p:cNvSpPr txBox="1"/>
-          <p:nvPr/>
-        </p:nvSpPr>
-        <p:spPr>
-          <a:xfrm>
-            <a:off x="838200" y="1633538"/>
-            <a:ext cx="11020425" cy="830997"/>
-          </a:xfrm>
-          <a:prstGeom prst="rect">
-            <a:avLst/>
-          </a:prstGeom>
-          <a:noFill/>
-        </p:spPr>
-        <p:txBody>
-          <a:bodyPr wrap="square">
-            <a:spAutoFit/>
-          </a:bodyPr>
-          <a:lstStyle/>
-          <a:p>
-            <a:pPr algn="l"/>
-            <a:r>
-              <a:rPr lang="en-GB" sz="2400" dirty="0">
-                <a:latin typeface="Libre Franklin" pitchFamily="2" charset="0"/>
-              </a:rPr>
-              <a:t> </a:t>
-            </a:r>
-          </a:p>
-          <a:p>
-            <a:pPr marL="342900" indent="-342900" algn="l">
-              <a:buFont typeface="Arial" panose="020B0604020202020204" pitchFamily="34" charset="0"/>
-              <a:buChar char="•"/>
-            </a:pPr>
-            <a:endParaRPr lang="en-GB" sz="2400" b="0" i="0" dirty="0">
-              <a:solidFill>
-                <a:srgbClr val="212529"/>
-              </a:solidFill>
-              <a:effectLst/>
-              <a:latin typeface="Libre Franklin" pitchFamily="2" charset="0"/>
-            </a:endParaRPr>
-          </a:p>
-        </p:txBody>
-      </p:sp>
-      <p:sp>
-        <p:nvSpPr>
-          <p:cNvPr id="7" name="TextBox 6">
-            <a:extLst>
-              <a:ext uri="{FF2B5EF4-FFF2-40B4-BE49-F238E27FC236}">
-                <a16:creationId xmlns:a16="http://schemas.microsoft.com/office/drawing/2014/main" id="{2F8B0A46-432E-C162-D1A9-4B66D1E49E92}"/>
-              </a:ext>
-            </a:extLst>
-          </p:cNvPr>
-          <p:cNvSpPr txBox="1"/>
-          <p:nvPr/>
-        </p:nvSpPr>
-        <p:spPr>
-          <a:xfrm>
-            <a:off x="838200" y="1690688"/>
-            <a:ext cx="6096000" cy="3046988"/>
-          </a:xfrm>
-          <a:prstGeom prst="rect">
-            <a:avLst/>
-          </a:prstGeom>
-          <a:noFill/>
-        </p:spPr>
-        <p:txBody>
-          <a:bodyPr wrap="square">
-            <a:spAutoFit/>
-          </a:bodyPr>
-          <a:lstStyle/>
-          <a:p>
-            <a:pPr marL="342900" indent="-342900">
-              <a:buFont typeface="Arial" panose="020B0604020202020204" pitchFamily="34" charset="0"/>
-              <a:buChar char="•"/>
-            </a:pPr>
-            <a:r>
-              <a:rPr lang="en-GB" sz="2400" dirty="0">
-                <a:latin typeface="Libre Franklin" pitchFamily="2" charset="0"/>
-              </a:rPr>
-              <a:t>Use same Message Passing Interface (MPI) distribution and version within container as would be used outside the container. </a:t>
-            </a:r>
-          </a:p>
-          <a:p>
-            <a:pPr marL="342900" indent="-342900">
-              <a:buFont typeface="Arial" panose="020B0604020202020204" pitchFamily="34" charset="0"/>
-              <a:buChar char="•"/>
-            </a:pPr>
-            <a:r>
-              <a:rPr lang="en-GB" sz="2400" dirty="0">
-                <a:latin typeface="Libre Franklin" pitchFamily="2" charset="0"/>
-              </a:rPr>
-              <a:t> If using </a:t>
-            </a:r>
-            <a:r>
-              <a:rPr lang="en-GB" sz="2400" dirty="0" err="1">
-                <a:latin typeface="Libre Franklin" pitchFamily="2" charset="0"/>
-              </a:rPr>
-              <a:t>Infiniband</a:t>
-            </a:r>
-            <a:r>
-              <a:rPr lang="en-GB" sz="2400" dirty="0">
-                <a:latin typeface="Libre Franklin" pitchFamily="2" charset="0"/>
-              </a:rPr>
-              <a:t> (IB), install same OFED drivers and libraries inside the container as used on underlying HPC hardware.</a:t>
-            </a:r>
-          </a:p>
-        </p:txBody>
-      </p:sp>
-      <p:pic>
-        <p:nvPicPr>
-          <p:cNvPr id="10" name="Picture 9">
-            <a:extLst>
-              <a:ext uri="{FF2B5EF4-FFF2-40B4-BE49-F238E27FC236}">
-                <a16:creationId xmlns:a16="http://schemas.microsoft.com/office/drawing/2014/main" id="{442AE3B4-350F-6C16-3BBD-3A8A478197D6}"/>
-              </a:ext>
-            </a:extLst>
-          </p:cNvPr>
-          <p:cNvPicPr>
-            <a:picLocks noChangeAspect="1"/>
-          </p:cNvPicPr>
-          <p:nvPr/>
-        </p:nvPicPr>
-        <p:blipFill>
-          <a:blip r:embed="rId3">
-            <a:extLst>
-              <a:ext uri="{28A0092B-C50C-407E-A947-70E740481C1C}">
-                <a14:useLocalDpi xmlns:a14="http://schemas.microsoft.com/office/drawing/2010/main" val="0"/>
-              </a:ext>
-            </a:extLst>
-          </a:blip>
-          <a:stretch>
-            <a:fillRect/>
-          </a:stretch>
-        </p:blipFill>
-        <p:spPr>
-          <a:xfrm>
-            <a:off x="7337349" y="1633538"/>
-            <a:ext cx="4016445" cy="3580822"/>
-          </a:xfrm>
-          <a:prstGeom prst="rect">
-            <a:avLst/>
-          </a:prstGeom>
-        </p:spPr>
-      </p:pic>
-    </p:spTree>
-    <p:extLst>
-      <p:ext uri="{BB962C8B-B14F-4D97-AF65-F5344CB8AC3E}">
-        <p14:creationId xmlns:p14="http://schemas.microsoft.com/office/powerpoint/2010/main" val="2741599242"/>
       </p:ext>
     </p:extLst>
   </p:cSld>
@@ -13283,7 +13226,7 @@
                 <a:effectLst/>
                 <a:latin typeface="Georgia" panose="02040502050405020303" pitchFamily="18" charset="0"/>
               </a:rPr>
-              <a:t>Singularity/Apptainer GPU</a:t>
+              <a:t>Singularity/Apptainer MPI</a:t>
             </a:r>
             <a:endParaRPr lang="en-GB" sz="2400" b="1" dirty="0">
               <a:solidFill>
@@ -13463,6 +13406,335 @@
         <p:spPr>
           <a:xfrm>
             <a:off x="838200" y="1690688"/>
+            <a:ext cx="6096000" cy="3046988"/>
+          </a:xfrm>
+          <a:prstGeom prst="rect">
+            <a:avLst/>
+          </a:prstGeom>
+          <a:noFill/>
+        </p:spPr>
+        <p:txBody>
+          <a:bodyPr wrap="square">
+            <a:spAutoFit/>
+          </a:bodyPr>
+          <a:lstStyle/>
+          <a:p>
+            <a:pPr marL="342900" indent="-342900">
+              <a:buFont typeface="Arial" panose="020B0604020202020204" pitchFamily="34" charset="0"/>
+              <a:buChar char="•"/>
+            </a:pPr>
+            <a:r>
+              <a:rPr lang="en-GB" sz="2400" dirty="0">
+                <a:latin typeface="Libre Franklin" pitchFamily="2" charset="0"/>
+              </a:rPr>
+              <a:t>Use same Message Passing Interface (MPI) distribution and version within container as would be used outside the container. </a:t>
+            </a:r>
+          </a:p>
+          <a:p>
+            <a:pPr marL="342900" indent="-342900">
+              <a:buFont typeface="Arial" panose="020B0604020202020204" pitchFamily="34" charset="0"/>
+              <a:buChar char="•"/>
+            </a:pPr>
+            <a:r>
+              <a:rPr lang="en-GB" sz="2400" dirty="0">
+                <a:latin typeface="Libre Franklin" pitchFamily="2" charset="0"/>
+              </a:rPr>
+              <a:t> If using </a:t>
+            </a:r>
+            <a:r>
+              <a:rPr lang="en-GB" sz="2400" dirty="0" err="1">
+                <a:latin typeface="Libre Franklin" pitchFamily="2" charset="0"/>
+              </a:rPr>
+              <a:t>Infiniband</a:t>
+            </a:r>
+            <a:r>
+              <a:rPr lang="en-GB" sz="2400" dirty="0">
+                <a:latin typeface="Libre Franklin" pitchFamily="2" charset="0"/>
+              </a:rPr>
+              <a:t> (IB), install same OFED drivers and libraries inside the container as used on underlying HPC hardware.</a:t>
+            </a:r>
+          </a:p>
+        </p:txBody>
+      </p:sp>
+      <p:pic>
+        <p:nvPicPr>
+          <p:cNvPr id="10" name="Picture 9">
+            <a:extLst>
+              <a:ext uri="{FF2B5EF4-FFF2-40B4-BE49-F238E27FC236}">
+                <a16:creationId xmlns:a16="http://schemas.microsoft.com/office/drawing/2014/main" id="{442AE3B4-350F-6C16-3BBD-3A8A478197D6}"/>
+              </a:ext>
+            </a:extLst>
+          </p:cNvPr>
+          <p:cNvPicPr>
+            <a:picLocks noChangeAspect="1"/>
+          </p:cNvPicPr>
+          <p:nvPr/>
+        </p:nvPicPr>
+        <p:blipFill>
+          <a:blip r:embed="rId3">
+            <a:extLst>
+              <a:ext uri="{28A0092B-C50C-407E-A947-70E740481C1C}">
+                <a14:useLocalDpi xmlns:a14="http://schemas.microsoft.com/office/drawing/2010/main" val="0"/>
+              </a:ext>
+            </a:extLst>
+          </a:blip>
+          <a:stretch>
+            <a:fillRect/>
+          </a:stretch>
+        </p:blipFill>
+        <p:spPr>
+          <a:xfrm>
+            <a:off x="7337349" y="1633538"/>
+            <a:ext cx="4016445" cy="3580822"/>
+          </a:xfrm>
+          <a:prstGeom prst="rect">
+            <a:avLst/>
+          </a:prstGeom>
+        </p:spPr>
+      </p:pic>
+    </p:spTree>
+    <p:extLst>
+      <p:ext uri="{BB962C8B-B14F-4D97-AF65-F5344CB8AC3E}">
+        <p14:creationId xmlns:p14="http://schemas.microsoft.com/office/powerpoint/2010/main" val="2741599242"/>
+      </p:ext>
+    </p:extLst>
+  </p:cSld>
+  <p:clrMapOvr>
+    <a:masterClrMapping/>
+  </p:clrMapOvr>
+</p:sld>
+</file>
+
+<file path=ppt/slides/slide31.xml><?xml version="1.0" encoding="utf-8"?>
+<p:sld xmlns:a="http://schemas.openxmlformats.org/drawingml/2006/main" xmlns:r="http://schemas.openxmlformats.org/officeDocument/2006/relationships" xmlns:p="http://schemas.openxmlformats.org/presentationml/2006/main">
+  <p:cSld>
+    <p:spTree>
+      <p:nvGrpSpPr>
+        <p:cNvPr id="1" name=""/>
+        <p:cNvGrpSpPr/>
+        <p:nvPr/>
+      </p:nvGrpSpPr>
+      <p:grpSpPr>
+        <a:xfrm>
+          <a:off x="0" y="0"/>
+          <a:ext cx="0" cy="0"/>
+          <a:chOff x="0" y="0"/>
+          <a:chExt cx="0" cy="0"/>
+        </a:xfrm>
+      </p:grpSpPr>
+      <p:sp>
+        <p:nvSpPr>
+          <p:cNvPr id="4" name="Title 3">
+            <a:extLst>
+              <a:ext uri="{FF2B5EF4-FFF2-40B4-BE49-F238E27FC236}">
+                <a16:creationId xmlns:a16="http://schemas.microsoft.com/office/drawing/2014/main" id="{0FF584FD-23D2-4ADF-8806-EEFA9167CCAE}"/>
+              </a:ext>
+            </a:extLst>
+          </p:cNvPr>
+          <p:cNvSpPr>
+            <a:spLocks noGrp="1"/>
+          </p:cNvSpPr>
+          <p:nvPr>
+            <p:ph type="title"/>
+          </p:nvPr>
+        </p:nvSpPr>
+        <p:spPr/>
+        <p:txBody>
+          <a:bodyPr>
+            <a:normAutofit/>
+          </a:bodyPr>
+          <a:lstStyle/>
+          <a:p>
+            <a:r>
+              <a:rPr lang="en-GB" b="1" i="0" u="none" strike="noStrike" dirty="0">
+                <a:solidFill>
+                  <a:schemeClr val="bg1">
+                    <a:lumMod val="50000"/>
+                  </a:schemeClr>
+                </a:solidFill>
+                <a:effectLst/>
+                <a:latin typeface="Georgia" panose="02040502050405020303" pitchFamily="18" charset="0"/>
+              </a:rPr>
+              <a:t>Singularity/Apptainer GPU</a:t>
+            </a:r>
+            <a:endParaRPr lang="en-GB" sz="2400" b="1" dirty="0">
+              <a:solidFill>
+                <a:schemeClr val="bg1">
+                  <a:lumMod val="50000"/>
+                </a:schemeClr>
+              </a:solidFill>
+              <a:latin typeface="Georgia" panose="02040502050405020303" pitchFamily="18" charset="0"/>
+            </a:endParaRPr>
+          </a:p>
+        </p:txBody>
+      </p:sp>
+      <p:grpSp>
+        <p:nvGrpSpPr>
+          <p:cNvPr id="3" name="Group 2">
+            <a:extLst>
+              <a:ext uri="{FF2B5EF4-FFF2-40B4-BE49-F238E27FC236}">
+                <a16:creationId xmlns:a16="http://schemas.microsoft.com/office/drawing/2014/main" id="{56A1F684-1E39-9C20-5029-A627EF40E014}"/>
+              </a:ext>
+            </a:extLst>
+          </p:cNvPr>
+          <p:cNvGrpSpPr/>
+          <p:nvPr/>
+        </p:nvGrpSpPr>
+        <p:grpSpPr>
+          <a:xfrm>
+            <a:off x="11210925" y="5980912"/>
+            <a:ext cx="960359" cy="877088"/>
+            <a:chOff x="4215988" y="5793696"/>
+            <a:chExt cx="960359" cy="877088"/>
+          </a:xfrm>
+        </p:grpSpPr>
+        <p:pic>
+          <p:nvPicPr>
+            <p:cNvPr id="5" name="Picture 4" descr="A picture containing schematic&#10;&#10;Description automatically generated">
+              <a:extLst>
+                <a:ext uri="{FF2B5EF4-FFF2-40B4-BE49-F238E27FC236}">
+                  <a16:creationId xmlns:a16="http://schemas.microsoft.com/office/drawing/2014/main" id="{9A14DD02-465D-9DBB-6069-4ED73FE69216}"/>
+                </a:ext>
+              </a:extLst>
+            </p:cNvPr>
+            <p:cNvPicPr>
+              <a:picLocks noChangeAspect="1"/>
+            </p:cNvPicPr>
+            <p:nvPr/>
+          </p:nvPicPr>
+          <p:blipFill>
+            <a:blip r:embed="rId2" cstate="print">
+              <a:extLst>
+                <a:ext uri="{28A0092B-C50C-407E-A947-70E740481C1C}">
+                  <a14:useLocalDpi xmlns:a14="http://schemas.microsoft.com/office/drawing/2010/main" val="0"/>
+                </a:ext>
+              </a:extLst>
+            </a:blip>
+            <a:stretch>
+              <a:fillRect/>
+            </a:stretch>
+          </p:blipFill>
+          <p:spPr>
+            <a:xfrm>
+              <a:off x="4299259" y="5793696"/>
+              <a:ext cx="877088" cy="877088"/>
+            </a:xfrm>
+            <a:prstGeom prst="rect">
+              <a:avLst/>
+            </a:prstGeom>
+          </p:spPr>
+        </p:pic>
+        <p:cxnSp>
+          <p:nvCxnSpPr>
+            <p:cNvPr id="9" name="Straight Connector 8">
+              <a:extLst>
+                <a:ext uri="{FF2B5EF4-FFF2-40B4-BE49-F238E27FC236}">
+                  <a16:creationId xmlns:a16="http://schemas.microsoft.com/office/drawing/2014/main" id="{1D1B5AD4-11FE-BDD2-EA03-74551284EA2D}"/>
+                </a:ext>
+              </a:extLst>
+            </p:cNvPr>
+            <p:cNvCxnSpPr/>
+            <p:nvPr/>
+          </p:nvCxnSpPr>
+          <p:spPr>
+            <a:xfrm>
+              <a:off x="4215988" y="6033542"/>
+              <a:ext cx="0" cy="359764"/>
+            </a:xfrm>
+            <a:prstGeom prst="line">
+              <a:avLst/>
+            </a:prstGeom>
+            <a:ln>
+              <a:solidFill>
+                <a:schemeClr val="tx1">
+                  <a:lumMod val="75000"/>
+                  <a:lumOff val="25000"/>
+                </a:schemeClr>
+              </a:solidFill>
+            </a:ln>
+          </p:spPr>
+          <p:style>
+            <a:lnRef idx="2">
+              <a:schemeClr val="dk1"/>
+            </a:lnRef>
+            <a:fillRef idx="0">
+              <a:schemeClr val="dk1"/>
+            </a:fillRef>
+            <a:effectRef idx="1">
+              <a:schemeClr val="dk1"/>
+            </a:effectRef>
+            <a:fontRef idx="minor">
+              <a:schemeClr val="tx1"/>
+            </a:fontRef>
+          </p:style>
+        </p:cxnSp>
+      </p:grpSp>
+      <p:sp>
+        <p:nvSpPr>
+          <p:cNvPr id="2" name="TextBox 1">
+            <a:extLst>
+              <a:ext uri="{FF2B5EF4-FFF2-40B4-BE49-F238E27FC236}">
+                <a16:creationId xmlns:a16="http://schemas.microsoft.com/office/drawing/2014/main" id="{D05B81A7-8466-BB82-5747-0FBDEF0A53AE}"/>
+              </a:ext>
+            </a:extLst>
+          </p:cNvPr>
+          <p:cNvSpPr txBox="1"/>
+          <p:nvPr/>
+        </p:nvSpPr>
+        <p:spPr>
+          <a:xfrm>
+            <a:off x="838200" y="1633538"/>
+            <a:ext cx="11020425" cy="830997"/>
+          </a:xfrm>
+          <a:prstGeom prst="rect">
+            <a:avLst/>
+          </a:prstGeom>
+          <a:noFill/>
+        </p:spPr>
+        <p:txBody>
+          <a:bodyPr wrap="square">
+            <a:spAutoFit/>
+          </a:bodyPr>
+          <a:lstStyle/>
+          <a:p>
+            <a:pPr algn="l"/>
+            <a:r>
+              <a:rPr lang="en-GB" sz="2400" dirty="0">
+                <a:latin typeface="Libre Franklin" pitchFamily="2" charset="0"/>
+              </a:rPr>
+              <a:t> </a:t>
+            </a:r>
+          </a:p>
+          <a:p>
+            <a:pPr marL="342900" indent="-342900" algn="l">
+              <a:buFont typeface="Arial" panose="020B0604020202020204" pitchFamily="34" charset="0"/>
+              <a:buChar char="•"/>
+            </a:pPr>
+            <a:endParaRPr lang="en-GB" sz="2400" b="0" i="0" dirty="0">
+              <a:solidFill>
+                <a:srgbClr val="212529"/>
+              </a:solidFill>
+              <a:effectLst/>
+              <a:latin typeface="Libre Franklin" pitchFamily="2" charset="0"/>
+            </a:endParaRPr>
+          </a:p>
+        </p:txBody>
+      </p:sp>
+      <p:sp>
+        <p:nvSpPr>
+          <p:cNvPr id="7" name="TextBox 6">
+            <a:extLst>
+              <a:ext uri="{FF2B5EF4-FFF2-40B4-BE49-F238E27FC236}">
+                <a16:creationId xmlns:a16="http://schemas.microsoft.com/office/drawing/2014/main" id="{2F8B0A46-432E-C162-D1A9-4B66D1E49E92}"/>
+              </a:ext>
+            </a:extLst>
+          </p:cNvPr>
+          <p:cNvSpPr txBox="1"/>
+          <p:nvPr/>
+        </p:nvSpPr>
+        <p:spPr>
+          <a:xfrm>
+            <a:off x="838200" y="1690688"/>
             <a:ext cx="6096000" cy="2677656"/>
           </a:xfrm>
           <a:prstGeom prst="rect">
@@ -13563,7 +13835,7 @@
 </p:sld>
 </file>
 
-<file path=ppt/slides/slide31.xml><?xml version="1.0" encoding="utf-8"?>
+<file path=ppt/slides/slide32.xml><?xml version="1.0" encoding="utf-8"?>
 <p:sld xmlns:a="http://schemas.openxmlformats.org/drawingml/2006/main" xmlns:r="http://schemas.openxmlformats.org/officeDocument/2006/relationships" xmlns:p="http://schemas.openxmlformats.org/presentationml/2006/main">
   <p:cSld>
     <p:spTree>
@@ -14502,7 +14774,7 @@
 </p:sld>
 </file>
 
-<file path=ppt/slides/slide32.xml><?xml version="1.0" encoding="utf-8"?>
+<file path=ppt/slides/slide33.xml><?xml version="1.0" encoding="utf-8"?>
 <p:sld xmlns:a="http://schemas.openxmlformats.org/drawingml/2006/main" xmlns:r="http://schemas.openxmlformats.org/officeDocument/2006/relationships" xmlns:p="http://schemas.openxmlformats.org/presentationml/2006/main">
   <p:cSld>
     <p:spTree>
@@ -14838,7 +15110,7 @@
 </p:sld>
 </file>
 
-<file path=ppt/slides/slide33.xml><?xml version="1.0" encoding="utf-8"?>
+<file path=ppt/slides/slide34.xml><?xml version="1.0" encoding="utf-8"?>
 <p:sld xmlns:a="http://schemas.openxmlformats.org/drawingml/2006/main" xmlns:r="http://schemas.openxmlformats.org/officeDocument/2006/relationships" xmlns:p="http://schemas.openxmlformats.org/presentationml/2006/main">
   <p:cSld>
     <p:spTree>
@@ -15216,7 +15488,7 @@
 </p:sld>
 </file>
 
-<file path=ppt/slides/slide34.xml><?xml version="1.0" encoding="utf-8"?>
+<file path=ppt/slides/slide35.xml><?xml version="1.0" encoding="utf-8"?>
 <p:sld xmlns:a="http://schemas.openxmlformats.org/drawingml/2006/main" xmlns:r="http://schemas.openxmlformats.org/officeDocument/2006/relationships" xmlns:p="http://schemas.openxmlformats.org/presentationml/2006/main">
   <p:cSld>
     <p:spTree>
@@ -15570,7 +15842,7 @@
         <p:spPr bwMode="auto">
           <a:xfrm>
             <a:off x="838200" y="1666945"/>
-            <a:ext cx="9326877" cy="4126751"/>
+            <a:ext cx="10515600" cy="4126751"/>
           </a:xfrm>
           <a:prstGeom prst="rect">
             <a:avLst/>
@@ -16152,6 +16424,654 @@
                 <a:effectLst/>
                 <a:latin typeface="Georgia" panose="02040502050405020303" pitchFamily="18" charset="0"/>
               </a:rPr>
+              <a:t>System Python and which Python</a:t>
+            </a:r>
+            <a:endParaRPr lang="en-GB" sz="2400" b="1" dirty="0">
+              <a:solidFill>
+                <a:schemeClr val="bg1">
+                  <a:lumMod val="50000"/>
+                </a:schemeClr>
+              </a:solidFill>
+              <a:latin typeface="Georgia" panose="02040502050405020303" pitchFamily="18" charset="0"/>
+            </a:endParaRPr>
+          </a:p>
+        </p:txBody>
+      </p:sp>
+      <p:sp>
+        <p:nvSpPr>
+          <p:cNvPr id="11" name="Rectangle 2">
+            <a:extLst>
+              <a:ext uri="{FF2B5EF4-FFF2-40B4-BE49-F238E27FC236}">
+                <a16:creationId xmlns:a16="http://schemas.microsoft.com/office/drawing/2014/main" id="{FB695EF1-0C65-EE66-4ABC-8132E7237EF9}"/>
+              </a:ext>
+            </a:extLst>
+          </p:cNvPr>
+          <p:cNvSpPr>
+            <a:spLocks noChangeArrowheads="1"/>
+          </p:cNvSpPr>
+          <p:nvPr/>
+        </p:nvSpPr>
+        <p:spPr bwMode="auto">
+          <a:xfrm>
+            <a:off x="838201" y="1666945"/>
+            <a:ext cx="4042410" cy="4126751"/>
+          </a:xfrm>
+          <a:prstGeom prst="rect">
+            <a:avLst/>
+          </a:prstGeom>
+          <a:solidFill>
+            <a:schemeClr val="dk1"/>
+          </a:solidFill>
+          <a:ln>
+            <a:noFill/>
+          </a:ln>
+        </p:spPr>
+        <p:style>
+          <a:lnRef idx="0">
+            <a:scrgbClr r="0" g="0" b="0"/>
+          </a:lnRef>
+          <a:fillRef idx="0">
+            <a:scrgbClr r="0" g="0" b="0"/>
+          </a:fillRef>
+          <a:effectRef idx="0">
+            <a:scrgbClr r="0" g="0" b="0"/>
+          </a:effectRef>
+          <a:fontRef idx="minor">
+            <a:schemeClr val="lt1"/>
+          </a:fontRef>
+        </p:style>
+        <p:txBody>
+          <a:bodyPr vert="horz" wrap="square" lIns="0" tIns="0" rIns="0" bIns="63480" numCol="1" anchor="ctr" anchorCtr="0" compatLnSpc="1">
+            <a:prstTxWarp prst="textNoShape">
+              <a:avLst/>
+            </a:prstTxWarp>
+            <a:spAutoFit/>
+          </a:bodyPr>
+          <a:lstStyle/>
+          <a:p>
+            <a:pPr marL="0" marR="0" lvl="0" indent="0" algn="l" defTabSz="914400" rtl="0" eaLnBrk="0" fontAlgn="base" latinLnBrk="0" hangingPunct="0">
+              <a:lnSpc>
+                <a:spcPct val="100000"/>
+              </a:lnSpc>
+              <a:spcBef>
+                <a:spcPct val="0"/>
+              </a:spcBef>
+              <a:spcAft>
+                <a:spcPct val="0"/>
+              </a:spcAft>
+              <a:buClrTx/>
+              <a:buSzTx/>
+              <a:buFontTx/>
+              <a:buNone/>
+              <a:tabLst/>
+            </a:pPr>
+            <a:r>
+              <a:rPr kumimoji="0" lang="en-US" altLang="en-US" sz="2400" b="0" i="0" u="none" strike="noStrike" cap="none" normalizeH="0" baseline="0" dirty="0">
+                <a:ln>
+                  <a:noFill/>
+                </a:ln>
+                <a:solidFill>
+                  <a:schemeClr val="bg1"/>
+                </a:solidFill>
+                <a:effectLst/>
+                <a:latin typeface="Consolas" panose="020B0609020204030204" pitchFamily="49" charset="0"/>
+              </a:rPr>
+              <a:t>$python2 --version</a:t>
+            </a:r>
+          </a:p>
+          <a:p>
+            <a:pPr marL="0" marR="0" lvl="0" indent="0" algn="l" defTabSz="914400" rtl="0" eaLnBrk="0" fontAlgn="base" latinLnBrk="0" hangingPunct="0">
+              <a:lnSpc>
+                <a:spcPct val="100000"/>
+              </a:lnSpc>
+              <a:spcBef>
+                <a:spcPct val="0"/>
+              </a:spcBef>
+              <a:spcAft>
+                <a:spcPct val="0"/>
+              </a:spcAft>
+              <a:buClrTx/>
+              <a:buSzTx/>
+              <a:buFontTx/>
+              <a:buNone/>
+              <a:tabLst/>
+            </a:pPr>
+            <a:r>
+              <a:rPr kumimoji="0" lang="en-US" altLang="en-US" sz="2400" b="0" i="0" u="none" strike="noStrike" cap="none" normalizeH="0" baseline="0" dirty="0">
+                <a:ln>
+                  <a:noFill/>
+                </a:ln>
+                <a:solidFill>
+                  <a:schemeClr val="bg1"/>
+                </a:solidFill>
+                <a:effectLst/>
+                <a:latin typeface="Consolas" panose="020B0609020204030204" pitchFamily="49" charset="0"/>
+              </a:rPr>
+              <a:t>Python 2.7.18</a:t>
+            </a:r>
+          </a:p>
+          <a:p>
+            <a:pPr marL="0" marR="0" lvl="0" indent="0" algn="l" defTabSz="914400" rtl="0" eaLnBrk="0" fontAlgn="base" latinLnBrk="0" hangingPunct="0">
+              <a:lnSpc>
+                <a:spcPct val="100000"/>
+              </a:lnSpc>
+              <a:spcBef>
+                <a:spcPct val="0"/>
+              </a:spcBef>
+              <a:spcAft>
+                <a:spcPct val="0"/>
+              </a:spcAft>
+              <a:buClrTx/>
+              <a:buSzTx/>
+              <a:buFontTx/>
+              <a:buNone/>
+              <a:tabLst/>
+            </a:pPr>
+            <a:endParaRPr kumimoji="0" lang="en-US" altLang="en-US" sz="2400" b="0" i="0" u="none" strike="noStrike" cap="none" normalizeH="0" baseline="0" dirty="0">
+              <a:ln>
+                <a:noFill/>
+              </a:ln>
+              <a:solidFill>
+                <a:schemeClr val="bg1"/>
+              </a:solidFill>
+              <a:effectLst/>
+              <a:latin typeface="Consolas" panose="020B0609020204030204" pitchFamily="49" charset="0"/>
+            </a:endParaRPr>
+          </a:p>
+          <a:p>
+            <a:pPr marL="0" marR="0" lvl="0" indent="0" algn="l" defTabSz="914400" rtl="0" eaLnBrk="0" fontAlgn="base" latinLnBrk="0" hangingPunct="0">
+              <a:lnSpc>
+                <a:spcPct val="100000"/>
+              </a:lnSpc>
+              <a:spcBef>
+                <a:spcPct val="0"/>
+              </a:spcBef>
+              <a:spcAft>
+                <a:spcPct val="0"/>
+              </a:spcAft>
+              <a:buClrTx/>
+              <a:buSzTx/>
+              <a:buFontTx/>
+              <a:buNone/>
+              <a:tabLst/>
+            </a:pPr>
+            <a:r>
+              <a:rPr kumimoji="0" lang="en-US" altLang="en-US" sz="2400" b="0" i="0" u="none" strike="noStrike" cap="none" normalizeH="0" baseline="0" dirty="0">
+                <a:ln>
+                  <a:noFill/>
+                </a:ln>
+                <a:solidFill>
+                  <a:schemeClr val="bg1"/>
+                </a:solidFill>
+                <a:effectLst/>
+                <a:latin typeface="Consolas" panose="020B0609020204030204" pitchFamily="49" charset="0"/>
+              </a:rPr>
+              <a:t>$which python2</a:t>
+            </a:r>
+          </a:p>
+          <a:p>
+            <a:pPr marL="0" marR="0" lvl="0" indent="0" algn="l" defTabSz="914400" rtl="0" eaLnBrk="0" fontAlgn="base" latinLnBrk="0" hangingPunct="0">
+              <a:lnSpc>
+                <a:spcPct val="100000"/>
+              </a:lnSpc>
+              <a:spcBef>
+                <a:spcPct val="0"/>
+              </a:spcBef>
+              <a:spcAft>
+                <a:spcPct val="0"/>
+              </a:spcAft>
+              <a:buClrTx/>
+              <a:buSzTx/>
+              <a:buFontTx/>
+              <a:buNone/>
+              <a:tabLst/>
+            </a:pPr>
+            <a:r>
+              <a:rPr kumimoji="0" lang="en-US" altLang="en-US" sz="2400" b="0" i="0" u="none" strike="noStrike" cap="none" normalizeH="0" baseline="0" dirty="0">
+                <a:ln>
+                  <a:noFill/>
+                </a:ln>
+                <a:solidFill>
+                  <a:schemeClr val="bg1"/>
+                </a:solidFill>
+                <a:effectLst/>
+                <a:latin typeface="Consolas" panose="020B0609020204030204" pitchFamily="49" charset="0"/>
+              </a:rPr>
+              <a:t>/</a:t>
+            </a:r>
+            <a:r>
+              <a:rPr kumimoji="0" lang="en-US" altLang="en-US" sz="2400" b="0" i="0" u="none" strike="noStrike" cap="none" normalizeH="0" baseline="0" dirty="0" err="1">
+                <a:ln>
+                  <a:noFill/>
+                </a:ln>
+                <a:solidFill>
+                  <a:schemeClr val="bg1"/>
+                </a:solidFill>
+                <a:effectLst/>
+                <a:latin typeface="Consolas" panose="020B0609020204030204" pitchFamily="49" charset="0"/>
+              </a:rPr>
+              <a:t>usr</a:t>
+            </a:r>
+            <a:r>
+              <a:rPr kumimoji="0" lang="en-US" altLang="en-US" sz="2400" b="0" i="0" u="none" strike="noStrike" cap="none" normalizeH="0" baseline="0" dirty="0">
+                <a:ln>
+                  <a:noFill/>
+                </a:ln>
+                <a:solidFill>
+                  <a:schemeClr val="bg1"/>
+                </a:solidFill>
+                <a:effectLst/>
+                <a:latin typeface="Consolas" panose="020B0609020204030204" pitchFamily="49" charset="0"/>
+              </a:rPr>
+              <a:t>/bin/python2</a:t>
+            </a:r>
+          </a:p>
+          <a:p>
+            <a:pPr marL="0" marR="0" lvl="0" indent="0" algn="l" defTabSz="914400" rtl="0" eaLnBrk="0" fontAlgn="base" latinLnBrk="0" hangingPunct="0">
+              <a:lnSpc>
+                <a:spcPct val="100000"/>
+              </a:lnSpc>
+              <a:spcBef>
+                <a:spcPct val="0"/>
+              </a:spcBef>
+              <a:spcAft>
+                <a:spcPct val="0"/>
+              </a:spcAft>
+              <a:buClrTx/>
+              <a:buSzTx/>
+              <a:buFontTx/>
+              <a:buNone/>
+              <a:tabLst/>
+            </a:pPr>
+            <a:endParaRPr kumimoji="0" lang="en-US" altLang="en-US" sz="2400" b="0" i="0" u="none" strike="noStrike" cap="none" normalizeH="0" baseline="0" dirty="0">
+              <a:ln>
+                <a:noFill/>
+              </a:ln>
+              <a:solidFill>
+                <a:schemeClr val="bg1"/>
+              </a:solidFill>
+              <a:effectLst/>
+              <a:latin typeface="Consolas" panose="020B0609020204030204" pitchFamily="49" charset="0"/>
+            </a:endParaRPr>
+          </a:p>
+          <a:p>
+            <a:pPr marL="0" marR="0" lvl="0" indent="0" algn="l" defTabSz="914400" rtl="0" eaLnBrk="0" fontAlgn="base" latinLnBrk="0" hangingPunct="0">
+              <a:lnSpc>
+                <a:spcPct val="100000"/>
+              </a:lnSpc>
+              <a:spcBef>
+                <a:spcPct val="0"/>
+              </a:spcBef>
+              <a:spcAft>
+                <a:spcPct val="0"/>
+              </a:spcAft>
+              <a:buClrTx/>
+              <a:buSzTx/>
+              <a:buFontTx/>
+              <a:buNone/>
+              <a:tabLst/>
+            </a:pPr>
+            <a:r>
+              <a:rPr kumimoji="0" lang="en-US" altLang="en-US" sz="2400" b="0" i="0" u="none" strike="noStrike" cap="none" normalizeH="0" baseline="0" dirty="0">
+                <a:ln>
+                  <a:noFill/>
+                </a:ln>
+                <a:solidFill>
+                  <a:schemeClr val="bg1"/>
+                </a:solidFill>
+                <a:effectLst/>
+                <a:latin typeface="Consolas" panose="020B0609020204030204" pitchFamily="49" charset="0"/>
+              </a:rPr>
+              <a:t>$python3 --version</a:t>
+            </a:r>
+          </a:p>
+          <a:p>
+            <a:pPr marL="0" marR="0" lvl="0" indent="0" algn="l" defTabSz="914400" rtl="0" eaLnBrk="0" fontAlgn="base" latinLnBrk="0" hangingPunct="0">
+              <a:lnSpc>
+                <a:spcPct val="100000"/>
+              </a:lnSpc>
+              <a:spcBef>
+                <a:spcPct val="0"/>
+              </a:spcBef>
+              <a:spcAft>
+                <a:spcPct val="0"/>
+              </a:spcAft>
+              <a:buClrTx/>
+              <a:buSzTx/>
+              <a:buFontTx/>
+              <a:buNone/>
+              <a:tabLst/>
+            </a:pPr>
+            <a:r>
+              <a:rPr kumimoji="0" lang="en-US" altLang="en-US" sz="2400" b="0" i="0" u="none" strike="noStrike" cap="none" normalizeH="0" baseline="0" dirty="0">
+                <a:ln>
+                  <a:noFill/>
+                </a:ln>
+                <a:solidFill>
+                  <a:schemeClr val="bg1"/>
+                </a:solidFill>
+                <a:effectLst/>
+                <a:latin typeface="Consolas" panose="020B0609020204030204" pitchFamily="49" charset="0"/>
+              </a:rPr>
+              <a:t>Python 3.6.8</a:t>
+            </a:r>
+          </a:p>
+          <a:p>
+            <a:pPr marL="0" marR="0" lvl="0" indent="0" algn="l" defTabSz="914400" rtl="0" eaLnBrk="0" fontAlgn="base" latinLnBrk="0" hangingPunct="0">
+              <a:lnSpc>
+                <a:spcPct val="100000"/>
+              </a:lnSpc>
+              <a:spcBef>
+                <a:spcPct val="0"/>
+              </a:spcBef>
+              <a:spcAft>
+                <a:spcPct val="0"/>
+              </a:spcAft>
+              <a:buClrTx/>
+              <a:buSzTx/>
+              <a:buFontTx/>
+              <a:buNone/>
+              <a:tabLst/>
+            </a:pPr>
+            <a:endParaRPr kumimoji="0" lang="en-US" altLang="en-US" sz="2400" b="0" i="0" u="none" strike="noStrike" cap="none" normalizeH="0" baseline="0" dirty="0">
+              <a:ln>
+                <a:noFill/>
+              </a:ln>
+              <a:solidFill>
+                <a:schemeClr val="bg1"/>
+              </a:solidFill>
+              <a:effectLst/>
+              <a:latin typeface="Consolas" panose="020B0609020204030204" pitchFamily="49" charset="0"/>
+            </a:endParaRPr>
+          </a:p>
+          <a:p>
+            <a:pPr marL="0" marR="0" lvl="0" indent="0" algn="l" defTabSz="914400" rtl="0" eaLnBrk="0" fontAlgn="base" latinLnBrk="0" hangingPunct="0">
+              <a:lnSpc>
+                <a:spcPct val="100000"/>
+              </a:lnSpc>
+              <a:spcBef>
+                <a:spcPct val="0"/>
+              </a:spcBef>
+              <a:spcAft>
+                <a:spcPct val="0"/>
+              </a:spcAft>
+              <a:buClrTx/>
+              <a:buSzTx/>
+              <a:buFontTx/>
+              <a:buNone/>
+              <a:tabLst/>
+            </a:pPr>
+            <a:r>
+              <a:rPr kumimoji="0" lang="en-US" altLang="en-US" sz="2400" b="0" i="0" u="none" strike="noStrike" cap="none" normalizeH="0" baseline="0" dirty="0">
+                <a:ln>
+                  <a:noFill/>
+                </a:ln>
+                <a:solidFill>
+                  <a:schemeClr val="bg1"/>
+                </a:solidFill>
+                <a:effectLst/>
+                <a:latin typeface="Consolas" panose="020B0609020204030204" pitchFamily="49" charset="0"/>
+              </a:rPr>
+              <a:t>$which python3</a:t>
+            </a:r>
+          </a:p>
+          <a:p>
+            <a:pPr marL="0" marR="0" lvl="0" indent="0" algn="l" defTabSz="914400" rtl="0" eaLnBrk="0" fontAlgn="base" latinLnBrk="0" hangingPunct="0">
+              <a:lnSpc>
+                <a:spcPct val="100000"/>
+              </a:lnSpc>
+              <a:spcBef>
+                <a:spcPct val="0"/>
+              </a:spcBef>
+              <a:spcAft>
+                <a:spcPct val="0"/>
+              </a:spcAft>
+              <a:buClrTx/>
+              <a:buSzTx/>
+              <a:buFontTx/>
+              <a:buNone/>
+              <a:tabLst/>
+            </a:pPr>
+            <a:r>
+              <a:rPr kumimoji="0" lang="en-US" altLang="en-US" sz="2400" b="0" i="0" u="none" strike="noStrike" cap="none" normalizeH="0" baseline="0" dirty="0">
+                <a:ln>
+                  <a:noFill/>
+                </a:ln>
+                <a:solidFill>
+                  <a:schemeClr val="bg1"/>
+                </a:solidFill>
+                <a:effectLst/>
+                <a:latin typeface="Consolas" panose="020B0609020204030204" pitchFamily="49" charset="0"/>
+              </a:rPr>
+              <a:t>/</a:t>
+            </a:r>
+            <a:r>
+              <a:rPr kumimoji="0" lang="en-US" altLang="en-US" sz="2400" b="0" i="0" u="none" strike="noStrike" cap="none" normalizeH="0" baseline="0" dirty="0" err="1">
+                <a:ln>
+                  <a:noFill/>
+                </a:ln>
+                <a:solidFill>
+                  <a:schemeClr val="bg1"/>
+                </a:solidFill>
+                <a:effectLst/>
+                <a:latin typeface="Consolas" panose="020B0609020204030204" pitchFamily="49" charset="0"/>
+              </a:rPr>
+              <a:t>usr</a:t>
+            </a:r>
+            <a:r>
+              <a:rPr kumimoji="0" lang="en-US" altLang="en-US" sz="2400" b="0" i="0" u="none" strike="noStrike" cap="none" normalizeH="0" baseline="0" dirty="0">
+                <a:ln>
+                  <a:noFill/>
+                </a:ln>
+                <a:solidFill>
+                  <a:schemeClr val="bg1"/>
+                </a:solidFill>
+                <a:effectLst/>
+                <a:latin typeface="Consolas" panose="020B0609020204030204" pitchFamily="49" charset="0"/>
+              </a:rPr>
+              <a:t>/bin/python3</a:t>
+            </a:r>
+          </a:p>
+        </p:txBody>
+      </p:sp>
+      <p:grpSp>
+        <p:nvGrpSpPr>
+          <p:cNvPr id="3" name="Group 2">
+            <a:extLst>
+              <a:ext uri="{FF2B5EF4-FFF2-40B4-BE49-F238E27FC236}">
+                <a16:creationId xmlns:a16="http://schemas.microsoft.com/office/drawing/2014/main" id="{03425066-3A7F-0FD3-D78F-B9FDDAB8E80E}"/>
+              </a:ext>
+            </a:extLst>
+          </p:cNvPr>
+          <p:cNvGrpSpPr/>
+          <p:nvPr/>
+        </p:nvGrpSpPr>
+        <p:grpSpPr>
+          <a:xfrm>
+            <a:off x="11210925" y="5980912"/>
+            <a:ext cx="960359" cy="877088"/>
+            <a:chOff x="4215988" y="5793696"/>
+            <a:chExt cx="960359" cy="877088"/>
+          </a:xfrm>
+        </p:grpSpPr>
+        <p:pic>
+          <p:nvPicPr>
+            <p:cNvPr id="5" name="Picture 4" descr="A picture containing schematic&#10;&#10;Description automatically generated">
+              <a:extLst>
+                <a:ext uri="{FF2B5EF4-FFF2-40B4-BE49-F238E27FC236}">
+                  <a16:creationId xmlns:a16="http://schemas.microsoft.com/office/drawing/2014/main" id="{CB8D904F-E7B9-4576-E9BB-D63DC951641B}"/>
+                </a:ext>
+              </a:extLst>
+            </p:cNvPr>
+            <p:cNvPicPr>
+              <a:picLocks noChangeAspect="1"/>
+            </p:cNvPicPr>
+            <p:nvPr/>
+          </p:nvPicPr>
+          <p:blipFill>
+            <a:blip r:embed="rId2" cstate="print">
+              <a:extLst>
+                <a:ext uri="{28A0092B-C50C-407E-A947-70E740481C1C}">
+                  <a14:useLocalDpi xmlns:a14="http://schemas.microsoft.com/office/drawing/2010/main" val="0"/>
+                </a:ext>
+              </a:extLst>
+            </a:blip>
+            <a:stretch>
+              <a:fillRect/>
+            </a:stretch>
+          </p:blipFill>
+          <p:spPr>
+            <a:xfrm>
+              <a:off x="4299259" y="5793696"/>
+              <a:ext cx="877088" cy="877088"/>
+            </a:xfrm>
+            <a:prstGeom prst="rect">
+              <a:avLst/>
+            </a:prstGeom>
+          </p:spPr>
+        </p:pic>
+        <p:cxnSp>
+          <p:nvCxnSpPr>
+            <p:cNvPr id="9" name="Straight Connector 8">
+              <a:extLst>
+                <a:ext uri="{FF2B5EF4-FFF2-40B4-BE49-F238E27FC236}">
+                  <a16:creationId xmlns:a16="http://schemas.microsoft.com/office/drawing/2014/main" id="{8C223838-FA18-82BE-7635-E75C7B75AB6B}"/>
+                </a:ext>
+              </a:extLst>
+            </p:cNvPr>
+            <p:cNvCxnSpPr/>
+            <p:nvPr/>
+          </p:nvCxnSpPr>
+          <p:spPr>
+            <a:xfrm>
+              <a:off x="4215988" y="6033542"/>
+              <a:ext cx="0" cy="359764"/>
+            </a:xfrm>
+            <a:prstGeom prst="line">
+              <a:avLst/>
+            </a:prstGeom>
+            <a:ln>
+              <a:solidFill>
+                <a:schemeClr val="tx1">
+                  <a:lumMod val="75000"/>
+                  <a:lumOff val="25000"/>
+                </a:schemeClr>
+              </a:solidFill>
+            </a:ln>
+          </p:spPr>
+          <p:style>
+            <a:lnRef idx="2">
+              <a:schemeClr val="dk1"/>
+            </a:lnRef>
+            <a:fillRef idx="0">
+              <a:schemeClr val="dk1"/>
+            </a:fillRef>
+            <a:effectRef idx="1">
+              <a:schemeClr val="dk1"/>
+            </a:effectRef>
+            <a:fontRef idx="minor">
+              <a:schemeClr val="tx1"/>
+            </a:fontRef>
+          </p:style>
+        </p:cxnSp>
+      </p:grpSp>
+      <p:pic>
+        <p:nvPicPr>
+          <p:cNvPr id="6" name="Picture 5" descr="A computer screen with white text&#10;&#10;Description automatically generated">
+            <a:extLst>
+              <a:ext uri="{FF2B5EF4-FFF2-40B4-BE49-F238E27FC236}">
+                <a16:creationId xmlns:a16="http://schemas.microsoft.com/office/drawing/2014/main" id="{54DF91D0-3D26-B174-ED0E-DD14170DF701}"/>
+              </a:ext>
+            </a:extLst>
+          </p:cNvPr>
+          <p:cNvPicPr>
+            <a:picLocks noChangeAspect="1"/>
+          </p:cNvPicPr>
+          <p:nvPr/>
+        </p:nvPicPr>
+        <p:blipFill>
+          <a:blip r:embed="rId3">
+            <a:extLst>
+              <a:ext uri="{28A0092B-C50C-407E-A947-70E740481C1C}">
+                <a14:useLocalDpi xmlns:a14="http://schemas.microsoft.com/office/drawing/2010/main" val="0"/>
+              </a:ext>
+            </a:extLst>
+          </a:blip>
+          <a:stretch>
+            <a:fillRect/>
+          </a:stretch>
+        </p:blipFill>
+        <p:spPr>
+          <a:xfrm>
+            <a:off x="20716" y="1647380"/>
+            <a:ext cx="11862410" cy="4616687"/>
+          </a:xfrm>
+          <a:prstGeom prst="rect">
+            <a:avLst/>
+          </a:prstGeom>
+        </p:spPr>
+      </p:pic>
+    </p:spTree>
+    <p:extLst>
+      <p:ext uri="{BB962C8B-B14F-4D97-AF65-F5344CB8AC3E}">
+        <p14:creationId xmlns:p14="http://schemas.microsoft.com/office/powerpoint/2010/main" val="1283814952"/>
+      </p:ext>
+    </p:extLst>
+  </p:cSld>
+  <p:clrMapOvr>
+    <a:masterClrMapping/>
+  </p:clrMapOvr>
+</p:sld>
+</file>
+
+<file path=ppt/slides/slide6.xml><?xml version="1.0" encoding="utf-8"?>
+<p:sld xmlns:a="http://schemas.openxmlformats.org/drawingml/2006/main" xmlns:r="http://schemas.openxmlformats.org/officeDocument/2006/relationships" xmlns:p="http://schemas.openxmlformats.org/presentationml/2006/main">
+  <p:cSld>
+    <p:spTree>
+      <p:nvGrpSpPr>
+        <p:cNvPr id="1" name=""/>
+        <p:cNvGrpSpPr/>
+        <p:nvPr/>
+      </p:nvGrpSpPr>
+      <p:grpSpPr>
+        <a:xfrm>
+          <a:off x="0" y="0"/>
+          <a:ext cx="0" cy="0"/>
+          <a:chOff x="0" y="0"/>
+          <a:chExt cx="0" cy="0"/>
+        </a:xfrm>
+      </p:grpSpPr>
+      <p:sp>
+        <p:nvSpPr>
+          <p:cNvPr id="4" name="Title 3">
+            <a:extLst>
+              <a:ext uri="{FF2B5EF4-FFF2-40B4-BE49-F238E27FC236}">
+                <a16:creationId xmlns:a16="http://schemas.microsoft.com/office/drawing/2014/main" id="{0FF584FD-23D2-4ADF-8806-EEFA9167CCAE}"/>
+              </a:ext>
+            </a:extLst>
+          </p:cNvPr>
+          <p:cNvSpPr>
+            <a:spLocks noGrp="1"/>
+          </p:cNvSpPr>
+          <p:nvPr>
+            <p:ph type="title"/>
+          </p:nvPr>
+        </p:nvSpPr>
+        <p:spPr/>
+        <p:txBody>
+          <a:bodyPr/>
+          <a:lstStyle/>
+          <a:p>
+            <a:r>
+              <a:rPr lang="en-GB" b="1" i="0" dirty="0">
+                <a:solidFill>
+                  <a:schemeClr val="bg1">
+                    <a:lumMod val="50000"/>
+                  </a:schemeClr>
+                </a:solidFill>
+                <a:effectLst/>
+                <a:latin typeface="Georgia" panose="02040502050405020303" pitchFamily="18" charset="0"/>
+              </a:rPr>
               <a:t>PIP and Python</a:t>
             </a:r>
             <a:endParaRPr lang="en-GB" sz="2400" b="1" dirty="0">
@@ -16345,7 +17265,7 @@
 </p:sld>
 </file>
 
-<file path=ppt/slides/slide6.xml><?xml version="1.0" encoding="utf-8"?>
+<file path=ppt/slides/slide7.xml><?xml version="1.0" encoding="utf-8"?>
 <p:sld xmlns:a="http://schemas.openxmlformats.org/drawingml/2006/main" xmlns:r="http://schemas.openxmlformats.org/officeDocument/2006/relationships" xmlns:p="http://schemas.openxmlformats.org/presentationml/2006/main">
   <p:cSld>
     <p:spTree>
@@ -17258,7 +18178,7 @@
 </p:sld>
 </file>
 
-<file path=ppt/slides/slide7.xml><?xml version="1.0" encoding="utf-8"?>
+<file path=ppt/slides/slide8.xml><?xml version="1.0" encoding="utf-8"?>
 <p:sld xmlns:a="http://schemas.openxmlformats.org/drawingml/2006/main" xmlns:r="http://schemas.openxmlformats.org/officeDocument/2006/relationships" xmlns:p="http://schemas.openxmlformats.org/presentationml/2006/main">
   <p:cSld>
     <p:spTree>
@@ -18066,7 +18986,7 @@
 </p:sld>
 </file>
 
-<file path=ppt/slides/slide8.xml><?xml version="1.0" encoding="utf-8"?>
+<file path=ppt/slides/slide9.xml><?xml version="1.0" encoding="utf-8"?>
 <p:sld xmlns:a="http://schemas.openxmlformats.org/drawingml/2006/main" xmlns:r="http://schemas.openxmlformats.org/officeDocument/2006/relationships" xmlns:p="http://schemas.openxmlformats.org/presentationml/2006/main">
   <p:cSld>
     <p:spTree>
@@ -18340,277 +19260,6 @@
     <p:extLst>
       <p:ext uri="{BB962C8B-B14F-4D97-AF65-F5344CB8AC3E}">
         <p14:creationId xmlns:p14="http://schemas.microsoft.com/office/powerpoint/2010/main" val="1234635448"/>
-      </p:ext>
-    </p:extLst>
-  </p:cSld>
-  <p:clrMapOvr>
-    <a:masterClrMapping/>
-  </p:clrMapOvr>
-</p:sld>
-</file>
-
-<file path=ppt/slides/slide9.xml><?xml version="1.0" encoding="utf-8"?>
-<p:sld xmlns:a="http://schemas.openxmlformats.org/drawingml/2006/main" xmlns:r="http://schemas.openxmlformats.org/officeDocument/2006/relationships" xmlns:p="http://schemas.openxmlformats.org/presentationml/2006/main">
-  <p:cSld>
-    <p:spTree>
-      <p:nvGrpSpPr>
-        <p:cNvPr id="1" name=""/>
-        <p:cNvGrpSpPr/>
-        <p:nvPr/>
-      </p:nvGrpSpPr>
-      <p:grpSpPr>
-        <a:xfrm>
-          <a:off x="0" y="0"/>
-          <a:ext cx="0" cy="0"/>
-          <a:chOff x="0" y="0"/>
-          <a:chExt cx="0" cy="0"/>
-        </a:xfrm>
-      </p:grpSpPr>
-      <p:sp>
-        <p:nvSpPr>
-          <p:cNvPr id="4" name="Title 3">
-            <a:extLst>
-              <a:ext uri="{FF2B5EF4-FFF2-40B4-BE49-F238E27FC236}">
-                <a16:creationId xmlns:a16="http://schemas.microsoft.com/office/drawing/2014/main" id="{0FF584FD-23D2-4ADF-8806-EEFA9167CCAE}"/>
-              </a:ext>
-            </a:extLst>
-          </p:cNvPr>
-          <p:cNvSpPr>
-            <a:spLocks noGrp="1"/>
-          </p:cNvSpPr>
-          <p:nvPr>
-            <p:ph type="title"/>
-          </p:nvPr>
-        </p:nvSpPr>
-        <p:spPr/>
-        <p:txBody>
-          <a:bodyPr/>
-          <a:lstStyle/>
-          <a:p>
-            <a:r>
-              <a:rPr lang="en-GB" b="1" i="0" dirty="0">
-                <a:solidFill>
-                  <a:schemeClr val="bg1">
-                    <a:lumMod val="50000"/>
-                  </a:schemeClr>
-                </a:solidFill>
-                <a:effectLst/>
-                <a:latin typeface="Georgia" panose="02040502050405020303" pitchFamily="18" charset="0"/>
-              </a:rPr>
-              <a:t>Check Quota</a:t>
-            </a:r>
-            <a:endParaRPr lang="en-GB" sz="2400" b="1" dirty="0">
-              <a:solidFill>
-                <a:schemeClr val="bg1">
-                  <a:lumMod val="50000"/>
-                </a:schemeClr>
-              </a:solidFill>
-              <a:latin typeface="Georgia" panose="02040502050405020303" pitchFamily="18" charset="0"/>
-            </a:endParaRPr>
-          </a:p>
-        </p:txBody>
-      </p:sp>
-      <p:sp>
-        <p:nvSpPr>
-          <p:cNvPr id="2" name="TextBox 1">
-            <a:extLst>
-              <a:ext uri="{FF2B5EF4-FFF2-40B4-BE49-F238E27FC236}">
-                <a16:creationId xmlns:a16="http://schemas.microsoft.com/office/drawing/2014/main" id="{05E4B1E2-8BAE-1DBE-0DD0-52E85B5D65D6}"/>
-              </a:ext>
-            </a:extLst>
-          </p:cNvPr>
-          <p:cNvSpPr txBox="1"/>
-          <p:nvPr/>
-        </p:nvSpPr>
-        <p:spPr>
-          <a:xfrm>
-            <a:off x="838200" y="1690688"/>
-            <a:ext cx="9326877" cy="2677656"/>
-          </a:xfrm>
-          <a:prstGeom prst="rect">
-            <a:avLst/>
-          </a:prstGeom>
-          <a:noFill/>
-        </p:spPr>
-        <p:txBody>
-          <a:bodyPr wrap="square">
-            <a:spAutoFit/>
-          </a:bodyPr>
-          <a:lstStyle/>
-          <a:p>
-            <a:pPr fontAlgn="base"/>
-            <a:r>
-              <a:rPr lang="en-GB" sz="2400" b="0" i="0" dirty="0">
-                <a:solidFill>
-                  <a:srgbClr val="212529"/>
-                </a:solidFill>
-                <a:effectLst/>
-                <a:latin typeface="Libre Franklin" pitchFamily="2" charset="0"/>
-              </a:rPr>
-              <a:t>Python packages can require many gigabytes of storage. By default they are installed in your /home directory. Be sure to run the </a:t>
-            </a:r>
-            <a:r>
-              <a:rPr lang="en-GB" sz="2400" b="0" i="0" dirty="0" err="1">
-                <a:solidFill>
-                  <a:srgbClr val="36464E"/>
-                </a:solidFill>
-                <a:effectLst/>
-                <a:latin typeface="Roboto Mono" panose="00000009000000000000" pitchFamily="49" charset="0"/>
-              </a:rPr>
-              <a:t>my_quota</a:t>
-            </a:r>
-            <a:r>
-              <a:rPr lang="en-GB" sz="2400" b="0" i="0" dirty="0">
-                <a:solidFill>
-                  <a:srgbClr val="212529"/>
-                </a:solidFill>
-                <a:effectLst/>
-                <a:latin typeface="Libre Franklin" pitchFamily="2" charset="0"/>
-              </a:rPr>
-              <a:t> command before installing to make sure that you have space.</a:t>
-            </a:r>
-          </a:p>
-          <a:p>
-            <a:pPr fontAlgn="base"/>
-            <a:endParaRPr lang="en-GB" sz="2400" dirty="0">
-              <a:solidFill>
-                <a:srgbClr val="212529"/>
-              </a:solidFill>
-              <a:latin typeface="Libre Franklin" pitchFamily="2" charset="0"/>
-            </a:endParaRPr>
-          </a:p>
-          <a:p>
-            <a:pPr marL="342900" indent="-342900" fontAlgn="base">
-              <a:buFont typeface="Arial" panose="020B0604020202020204" pitchFamily="34" charset="0"/>
-              <a:buChar char="•"/>
-            </a:pPr>
-            <a:r>
-              <a:rPr lang="en-GB" sz="2400" i="0" dirty="0">
-                <a:effectLst/>
-                <a:latin typeface="Raleway" pitchFamily="2" charset="0"/>
-                <a:hlinkClick r:id="rId2"/>
-              </a:rPr>
-              <a:t>https://docs.baskerville.ac.uk/cheatsheet</a:t>
-            </a:r>
-            <a:endParaRPr lang="en-GB" sz="2400" i="0" dirty="0">
-              <a:effectLst/>
-              <a:latin typeface="Raleway" pitchFamily="2" charset="0"/>
-            </a:endParaRPr>
-          </a:p>
-          <a:p>
-            <a:pPr fontAlgn="base"/>
-            <a:endParaRPr lang="en-GB" sz="2400" i="0" dirty="0">
-              <a:effectLst/>
-              <a:latin typeface="Raleway" pitchFamily="2" charset="0"/>
-            </a:endParaRPr>
-          </a:p>
-        </p:txBody>
-      </p:sp>
-      <p:grpSp>
-        <p:nvGrpSpPr>
-          <p:cNvPr id="3" name="Group 2">
-            <a:extLst>
-              <a:ext uri="{FF2B5EF4-FFF2-40B4-BE49-F238E27FC236}">
-                <a16:creationId xmlns:a16="http://schemas.microsoft.com/office/drawing/2014/main" id="{9F76D0C8-BD1F-6678-222E-D8C512D6B1C7}"/>
-              </a:ext>
-            </a:extLst>
-          </p:cNvPr>
-          <p:cNvGrpSpPr/>
-          <p:nvPr/>
-        </p:nvGrpSpPr>
-        <p:grpSpPr>
-          <a:xfrm>
-            <a:off x="11210925" y="5980912"/>
-            <a:ext cx="960359" cy="877088"/>
-            <a:chOff x="4215988" y="5793696"/>
-            <a:chExt cx="960359" cy="877088"/>
-          </a:xfrm>
-        </p:grpSpPr>
-        <p:pic>
-          <p:nvPicPr>
-            <p:cNvPr id="5" name="Picture 4" descr="A picture containing schematic&#10;&#10;Description automatically generated">
-              <a:extLst>
-                <a:ext uri="{FF2B5EF4-FFF2-40B4-BE49-F238E27FC236}">
-                  <a16:creationId xmlns:a16="http://schemas.microsoft.com/office/drawing/2014/main" id="{659AB8F2-AE30-832C-E607-50A16A56E196}"/>
-                </a:ext>
-              </a:extLst>
-            </p:cNvPr>
-            <p:cNvPicPr>
-              <a:picLocks noChangeAspect="1"/>
-            </p:cNvPicPr>
-            <p:nvPr/>
-          </p:nvPicPr>
-          <p:blipFill>
-            <a:blip r:embed="rId3" cstate="print">
-              <a:extLst>
-                <a:ext uri="{28A0092B-C50C-407E-A947-70E740481C1C}">
-                  <a14:useLocalDpi xmlns:a14="http://schemas.microsoft.com/office/drawing/2010/main" val="0"/>
-                </a:ext>
-              </a:extLst>
-            </a:blip>
-            <a:stretch>
-              <a:fillRect/>
-            </a:stretch>
-          </p:blipFill>
-          <p:spPr>
-            <a:xfrm>
-              <a:off x="4299259" y="5793696"/>
-              <a:ext cx="877088" cy="877088"/>
-            </a:xfrm>
-            <a:prstGeom prst="rect">
-              <a:avLst/>
-            </a:prstGeom>
-          </p:spPr>
-        </p:pic>
-        <p:cxnSp>
-          <p:nvCxnSpPr>
-            <p:cNvPr id="9" name="Straight Connector 8">
-              <a:extLst>
-                <a:ext uri="{FF2B5EF4-FFF2-40B4-BE49-F238E27FC236}">
-                  <a16:creationId xmlns:a16="http://schemas.microsoft.com/office/drawing/2014/main" id="{84AB1C98-594E-F907-0032-08CAC0C02F07}"/>
-                </a:ext>
-              </a:extLst>
-            </p:cNvPr>
-            <p:cNvCxnSpPr/>
-            <p:nvPr/>
-          </p:nvCxnSpPr>
-          <p:spPr>
-            <a:xfrm>
-              <a:off x="4215988" y="6033542"/>
-              <a:ext cx="0" cy="359764"/>
-            </a:xfrm>
-            <a:prstGeom prst="line">
-              <a:avLst/>
-            </a:prstGeom>
-            <a:ln>
-              <a:solidFill>
-                <a:schemeClr val="tx1">
-                  <a:lumMod val="75000"/>
-                  <a:lumOff val="25000"/>
-                </a:schemeClr>
-              </a:solidFill>
-            </a:ln>
-          </p:spPr>
-          <p:style>
-            <a:lnRef idx="2">
-              <a:schemeClr val="dk1"/>
-            </a:lnRef>
-            <a:fillRef idx="0">
-              <a:schemeClr val="dk1"/>
-            </a:fillRef>
-            <a:effectRef idx="1">
-              <a:schemeClr val="dk1"/>
-            </a:effectRef>
-            <a:fontRef idx="minor">
-              <a:schemeClr val="tx1"/>
-            </a:fontRef>
-          </p:style>
-        </p:cxnSp>
-      </p:grpSp>
-    </p:spTree>
-    <p:extLst>
-      <p:ext uri="{BB962C8B-B14F-4D97-AF65-F5344CB8AC3E}">
-        <p14:creationId xmlns:p14="http://schemas.microsoft.com/office/powerpoint/2010/main" val="33358108"/>
       </p:ext>
     </p:extLst>
   </p:cSld>
@@ -19211,17 +19860,6 @@
 </file>
 
 <file path=customXml/item1.xml><?xml version="1.0" encoding="utf-8"?>
-<p:properties xmlns:p="http://schemas.microsoft.com/office/2006/metadata/properties" xmlns:xsi="http://www.w3.org/2001/XMLSchema-instance" xmlns:pc="http://schemas.microsoft.com/office/infopath/2007/PartnerControls">
-  <documentManagement>
-    <lcf76f155ced4ddcb4097134ff3c332f xmlns="f2db46ab-f0a3-4cc0-b136-b94a355c2869">
-      <Terms xmlns="http://schemas.microsoft.com/office/infopath/2007/PartnerControls"/>
-    </lcf76f155ced4ddcb4097134ff3c332f>
-    <TaxCatchAll xmlns="9d8cecb3-2158-493e-b8e4-663934528c1e" xsi:nil="true"/>
-  </documentManagement>
-</p:properties>
-</file>
-
-<file path=customXml/item2.xml><?xml version="1.0" encoding="utf-8"?>
 <ct:contentTypeSchema xmlns:ct="http://schemas.microsoft.com/office/2006/metadata/contentType" xmlns:ma="http://schemas.microsoft.com/office/2006/metadata/properties/metaAttributes" ct:_="" ma:_="" ma:contentTypeName="Document" ma:contentTypeID="0x0101009C71041C9F274141A4E96805F65155C1" ma:contentTypeVersion="16" ma:contentTypeDescription="Create a new document." ma:contentTypeScope="" ma:versionID="8a6e8d969e3680c284de5290c67de6a9">
   <xsd:schema xmlns:xsd="http://www.w3.org/2001/XMLSchema" xmlns:xs="http://www.w3.org/2001/XMLSchema" xmlns:p="http://schemas.microsoft.com/office/2006/metadata/properties" xmlns:ns2="f2db46ab-f0a3-4cc0-b136-b94a355c2869" xmlns:ns3="9d8cecb3-2158-493e-b8e4-663934528c1e" targetNamespace="http://schemas.microsoft.com/office/2006/metadata/properties" ma:root="true" ma:fieldsID="dba1ce7d62af4479b2a809a94f62fcef" ns2:_="" ns3:_="">
     <xsd:import namespace="f2db46ab-f0a3-4cc0-b136-b94a355c2869"/>
@@ -19464,6 +20102,17 @@
 </ct:contentTypeSchema>
 </file>
 
+<file path=customXml/item2.xml><?xml version="1.0" encoding="utf-8"?>
+<p:properties xmlns:p="http://schemas.microsoft.com/office/2006/metadata/properties" xmlns:xsi="http://www.w3.org/2001/XMLSchema-instance" xmlns:pc="http://schemas.microsoft.com/office/infopath/2007/PartnerControls">
+  <documentManagement>
+    <lcf76f155ced4ddcb4097134ff3c332f xmlns="f2db46ab-f0a3-4cc0-b136-b94a355c2869">
+      <Terms xmlns="http://schemas.microsoft.com/office/infopath/2007/PartnerControls"/>
+    </lcf76f155ced4ddcb4097134ff3c332f>
+    <TaxCatchAll xmlns="9d8cecb3-2158-493e-b8e4-663934528c1e" xsi:nil="true"/>
+  </documentManagement>
+</p:properties>
+</file>
+
 <file path=customXml/item3.xml><?xml version="1.0" encoding="utf-8"?>
 <?mso-contentType ?>
 <FormTemplates xmlns="http://schemas.microsoft.com/sharepoint/v3/contenttype/forms">
@@ -19474,23 +20123,6 @@
 </file>
 
 <file path=customXml/itemProps1.xml><?xml version="1.0" encoding="utf-8"?>
-<ds:datastoreItem xmlns:ds="http://schemas.openxmlformats.org/officeDocument/2006/customXml" ds:itemID="{0A3731A9-97AF-4DDB-A94A-9053EAA7AAD3}">
-  <ds:schemaRefs>
-    <ds:schemaRef ds:uri="http://schemas.microsoft.com/office/2006/documentManagement/types"/>
-    <ds:schemaRef ds:uri="http://purl.org/dc/elements/1.1/"/>
-    <ds:schemaRef ds:uri="http://purl.org/dc/terms/"/>
-    <ds:schemaRef ds:uri="f2db46ab-f0a3-4cc0-b136-b94a355c2869"/>
-    <ds:schemaRef ds:uri="http://purl.org/dc/dcmitype/"/>
-    <ds:schemaRef ds:uri="http://www.w3.org/XML/1998/namespace"/>
-    <ds:schemaRef ds:uri="http://schemas.microsoft.com/office/2006/metadata/properties"/>
-    <ds:schemaRef ds:uri="http://schemas.microsoft.com/office/infopath/2007/PartnerControls"/>
-    <ds:schemaRef ds:uri="http://schemas.openxmlformats.org/package/2006/metadata/core-properties"/>
-    <ds:schemaRef ds:uri="9d8cecb3-2158-493e-b8e4-663934528c1e"/>
-  </ds:schemaRefs>
-</ds:datastoreItem>
-</file>
-
-<file path=customXml/itemProps2.xml><?xml version="1.0" encoding="utf-8"?>
 <ds:datastoreItem xmlns:ds="http://schemas.openxmlformats.org/officeDocument/2006/customXml" ds:itemID="{902F9781-B221-461C-A558-ABCC22D1CAE4}">
   <ds:schemaRefs>
     <ds:schemaRef ds:uri="http://schemas.microsoft.com/office/2006/metadata/contentType"/>
@@ -19509,6 +20141,23 @@
 </ds:datastoreItem>
 </file>
 
+<file path=customXml/itemProps2.xml><?xml version="1.0" encoding="utf-8"?>
+<ds:datastoreItem xmlns:ds="http://schemas.openxmlformats.org/officeDocument/2006/customXml" ds:itemID="{0A3731A9-97AF-4DDB-A94A-9053EAA7AAD3}">
+  <ds:schemaRefs>
+    <ds:schemaRef ds:uri="http://schemas.microsoft.com/office/2006/documentManagement/types"/>
+    <ds:schemaRef ds:uri="http://purl.org/dc/elements/1.1/"/>
+    <ds:schemaRef ds:uri="http://purl.org/dc/terms/"/>
+    <ds:schemaRef ds:uri="f2db46ab-f0a3-4cc0-b136-b94a355c2869"/>
+    <ds:schemaRef ds:uri="http://purl.org/dc/dcmitype/"/>
+    <ds:schemaRef ds:uri="http://www.w3.org/XML/1998/namespace"/>
+    <ds:schemaRef ds:uri="http://schemas.microsoft.com/office/2006/metadata/properties"/>
+    <ds:schemaRef ds:uri="http://schemas.microsoft.com/office/infopath/2007/PartnerControls"/>
+    <ds:schemaRef ds:uri="http://schemas.openxmlformats.org/package/2006/metadata/core-properties"/>
+    <ds:schemaRef ds:uri="9d8cecb3-2158-493e-b8e4-663934528c1e"/>
+  </ds:schemaRefs>
+</ds:datastoreItem>
+</file>
+
 <file path=customXml/itemProps3.xml><?xml version="1.0" encoding="utf-8"?>
 <ds:datastoreItem xmlns:ds="http://schemas.openxmlformats.org/officeDocument/2006/customXml" ds:itemID="{01C33FEC-652C-4516-A579-CBB40620CA04}">
   <ds:schemaRefs>

--- a/docs/07-pip-and-containers/Baskerville-pip-apptainer-Final.pptx
+++ b/docs/07-pip-and-containers/Baskerville-pip-apptainer-Final.pptx
@@ -5,7 +5,7 @@
     <p:sldMasterId id="2147483665" r:id="rId4"/>
   </p:sldMasterIdLst>
   <p:notesMasterIdLst>
-    <p:notesMasterId r:id="rId40"/>
+    <p:notesMasterId r:id="rId38"/>
   </p:notesMasterIdLst>
   <p:sldIdLst>
     <p:sldId id="256" r:id="rId5"/>
@@ -37,12 +37,10 @@
     <p:sldId id="935" r:id="rId31"/>
     <p:sldId id="932" r:id="rId32"/>
     <p:sldId id="934" r:id="rId33"/>
-    <p:sldId id="937" r:id="rId34"/>
-    <p:sldId id="939" r:id="rId35"/>
-    <p:sldId id="938" r:id="rId36"/>
-    <p:sldId id="936" r:id="rId37"/>
-    <p:sldId id="940" r:id="rId38"/>
-    <p:sldId id="267" r:id="rId39"/>
+    <p:sldId id="938" r:id="rId34"/>
+    <p:sldId id="936" r:id="rId35"/>
+    <p:sldId id="940" r:id="rId36"/>
+    <p:sldId id="267" r:id="rId37"/>
   </p:sldIdLst>
   <p:sldSz cx="12192000" cy="6858000"/>
   <p:notesSz cx="6858000" cy="9144000"/>
@@ -10284,8 +10282,8 @@
         </p:nvSpPr>
         <p:spPr bwMode="auto">
           <a:xfrm>
-            <a:off x="921471" y="4880270"/>
-            <a:ext cx="10372725" cy="1910759"/>
+            <a:off x="921472" y="4880270"/>
+            <a:ext cx="9039026" cy="1910759"/>
           </a:xfrm>
           <a:prstGeom prst="rect">
             <a:avLst/>
@@ -11313,7 +11311,7 @@
                 <a:effectLst/>
                 <a:latin typeface="Libre Franklin" pitchFamily="2" charset="0"/>
               </a:rPr>
-              <a:t>   - End users use Ubuntu, cluster typically use RHEL, or  other specialized OS.  </a:t>
+              <a:t>   - End users use Ubuntu, cluster use RHEL, or  other specialized OS.  </a:t>
             </a:r>
           </a:p>
           <a:p>
@@ -11905,7 +11903,7 @@
         </p:nvSpPr>
         <p:spPr>
           <a:xfrm>
-            <a:off x="838200" y="1633538"/>
+            <a:off x="838200" y="1369002"/>
             <a:ext cx="11020425" cy="5262979"/>
           </a:xfrm>
           <a:prstGeom prst="rect">
@@ -13226,665 +13224,6 @@
                 <a:effectLst/>
                 <a:latin typeface="Georgia" panose="02040502050405020303" pitchFamily="18" charset="0"/>
               </a:rPr>
-              <a:t>Singularity/Apptainer MPI</a:t>
-            </a:r>
-            <a:endParaRPr lang="en-GB" sz="2400" b="1" dirty="0">
-              <a:solidFill>
-                <a:schemeClr val="bg1">
-                  <a:lumMod val="50000"/>
-                </a:schemeClr>
-              </a:solidFill>
-              <a:latin typeface="Georgia" panose="02040502050405020303" pitchFamily="18" charset="0"/>
-            </a:endParaRPr>
-          </a:p>
-        </p:txBody>
-      </p:sp>
-      <p:grpSp>
-        <p:nvGrpSpPr>
-          <p:cNvPr id="3" name="Group 2">
-            <a:extLst>
-              <a:ext uri="{FF2B5EF4-FFF2-40B4-BE49-F238E27FC236}">
-                <a16:creationId xmlns:a16="http://schemas.microsoft.com/office/drawing/2014/main" id="{56A1F684-1E39-9C20-5029-A627EF40E014}"/>
-              </a:ext>
-            </a:extLst>
-          </p:cNvPr>
-          <p:cNvGrpSpPr/>
-          <p:nvPr/>
-        </p:nvGrpSpPr>
-        <p:grpSpPr>
-          <a:xfrm>
-            <a:off x="11210925" y="5980912"/>
-            <a:ext cx="960359" cy="877088"/>
-            <a:chOff x="4215988" y="5793696"/>
-            <a:chExt cx="960359" cy="877088"/>
-          </a:xfrm>
-        </p:grpSpPr>
-        <p:pic>
-          <p:nvPicPr>
-            <p:cNvPr id="5" name="Picture 4" descr="A picture containing schematic&#10;&#10;Description automatically generated">
-              <a:extLst>
-                <a:ext uri="{FF2B5EF4-FFF2-40B4-BE49-F238E27FC236}">
-                  <a16:creationId xmlns:a16="http://schemas.microsoft.com/office/drawing/2014/main" id="{9A14DD02-465D-9DBB-6069-4ED73FE69216}"/>
-                </a:ext>
-              </a:extLst>
-            </p:cNvPr>
-            <p:cNvPicPr>
-              <a:picLocks noChangeAspect="1"/>
-            </p:cNvPicPr>
-            <p:nvPr/>
-          </p:nvPicPr>
-          <p:blipFill>
-            <a:blip r:embed="rId2" cstate="print">
-              <a:extLst>
-                <a:ext uri="{28A0092B-C50C-407E-A947-70E740481C1C}">
-                  <a14:useLocalDpi xmlns:a14="http://schemas.microsoft.com/office/drawing/2010/main" val="0"/>
-                </a:ext>
-              </a:extLst>
-            </a:blip>
-            <a:stretch>
-              <a:fillRect/>
-            </a:stretch>
-          </p:blipFill>
-          <p:spPr>
-            <a:xfrm>
-              <a:off x="4299259" y="5793696"/>
-              <a:ext cx="877088" cy="877088"/>
-            </a:xfrm>
-            <a:prstGeom prst="rect">
-              <a:avLst/>
-            </a:prstGeom>
-          </p:spPr>
-        </p:pic>
-        <p:cxnSp>
-          <p:nvCxnSpPr>
-            <p:cNvPr id="9" name="Straight Connector 8">
-              <a:extLst>
-                <a:ext uri="{FF2B5EF4-FFF2-40B4-BE49-F238E27FC236}">
-                  <a16:creationId xmlns:a16="http://schemas.microsoft.com/office/drawing/2014/main" id="{1D1B5AD4-11FE-BDD2-EA03-74551284EA2D}"/>
-                </a:ext>
-              </a:extLst>
-            </p:cNvPr>
-            <p:cNvCxnSpPr/>
-            <p:nvPr/>
-          </p:nvCxnSpPr>
-          <p:spPr>
-            <a:xfrm>
-              <a:off x="4215988" y="6033542"/>
-              <a:ext cx="0" cy="359764"/>
-            </a:xfrm>
-            <a:prstGeom prst="line">
-              <a:avLst/>
-            </a:prstGeom>
-            <a:ln>
-              <a:solidFill>
-                <a:schemeClr val="tx1">
-                  <a:lumMod val="75000"/>
-                  <a:lumOff val="25000"/>
-                </a:schemeClr>
-              </a:solidFill>
-            </a:ln>
-          </p:spPr>
-          <p:style>
-            <a:lnRef idx="2">
-              <a:schemeClr val="dk1"/>
-            </a:lnRef>
-            <a:fillRef idx="0">
-              <a:schemeClr val="dk1"/>
-            </a:fillRef>
-            <a:effectRef idx="1">
-              <a:schemeClr val="dk1"/>
-            </a:effectRef>
-            <a:fontRef idx="minor">
-              <a:schemeClr val="tx1"/>
-            </a:fontRef>
-          </p:style>
-        </p:cxnSp>
-      </p:grpSp>
-      <p:sp>
-        <p:nvSpPr>
-          <p:cNvPr id="2" name="TextBox 1">
-            <a:extLst>
-              <a:ext uri="{FF2B5EF4-FFF2-40B4-BE49-F238E27FC236}">
-                <a16:creationId xmlns:a16="http://schemas.microsoft.com/office/drawing/2014/main" id="{D05B81A7-8466-BB82-5747-0FBDEF0A53AE}"/>
-              </a:ext>
-            </a:extLst>
-          </p:cNvPr>
-          <p:cNvSpPr txBox="1"/>
-          <p:nvPr/>
-        </p:nvSpPr>
-        <p:spPr>
-          <a:xfrm>
-            <a:off x="838200" y="1633538"/>
-            <a:ext cx="11020425" cy="830997"/>
-          </a:xfrm>
-          <a:prstGeom prst="rect">
-            <a:avLst/>
-          </a:prstGeom>
-          <a:noFill/>
-        </p:spPr>
-        <p:txBody>
-          <a:bodyPr wrap="square">
-            <a:spAutoFit/>
-          </a:bodyPr>
-          <a:lstStyle/>
-          <a:p>
-            <a:pPr algn="l"/>
-            <a:r>
-              <a:rPr lang="en-GB" sz="2400" dirty="0">
-                <a:latin typeface="Libre Franklin" pitchFamily="2" charset="0"/>
-              </a:rPr>
-              <a:t> </a:t>
-            </a:r>
-          </a:p>
-          <a:p>
-            <a:pPr marL="342900" indent="-342900" algn="l">
-              <a:buFont typeface="Arial" panose="020B0604020202020204" pitchFamily="34" charset="0"/>
-              <a:buChar char="•"/>
-            </a:pPr>
-            <a:endParaRPr lang="en-GB" sz="2400" b="0" i="0" dirty="0">
-              <a:solidFill>
-                <a:srgbClr val="212529"/>
-              </a:solidFill>
-              <a:effectLst/>
-              <a:latin typeface="Libre Franklin" pitchFamily="2" charset="0"/>
-            </a:endParaRPr>
-          </a:p>
-        </p:txBody>
-      </p:sp>
-      <p:sp>
-        <p:nvSpPr>
-          <p:cNvPr id="7" name="TextBox 6">
-            <a:extLst>
-              <a:ext uri="{FF2B5EF4-FFF2-40B4-BE49-F238E27FC236}">
-                <a16:creationId xmlns:a16="http://schemas.microsoft.com/office/drawing/2014/main" id="{2F8B0A46-432E-C162-D1A9-4B66D1E49E92}"/>
-              </a:ext>
-            </a:extLst>
-          </p:cNvPr>
-          <p:cNvSpPr txBox="1"/>
-          <p:nvPr/>
-        </p:nvSpPr>
-        <p:spPr>
-          <a:xfrm>
-            <a:off x="838200" y="1690688"/>
-            <a:ext cx="6096000" cy="3046988"/>
-          </a:xfrm>
-          <a:prstGeom prst="rect">
-            <a:avLst/>
-          </a:prstGeom>
-          <a:noFill/>
-        </p:spPr>
-        <p:txBody>
-          <a:bodyPr wrap="square">
-            <a:spAutoFit/>
-          </a:bodyPr>
-          <a:lstStyle/>
-          <a:p>
-            <a:pPr marL="342900" indent="-342900">
-              <a:buFont typeface="Arial" panose="020B0604020202020204" pitchFamily="34" charset="0"/>
-              <a:buChar char="•"/>
-            </a:pPr>
-            <a:r>
-              <a:rPr lang="en-GB" sz="2400" dirty="0">
-                <a:latin typeface="Libre Franklin" pitchFamily="2" charset="0"/>
-              </a:rPr>
-              <a:t>Use same Message Passing Interface (MPI) distribution and version within container as would be used outside the container. </a:t>
-            </a:r>
-          </a:p>
-          <a:p>
-            <a:pPr marL="342900" indent="-342900">
-              <a:buFont typeface="Arial" panose="020B0604020202020204" pitchFamily="34" charset="0"/>
-              <a:buChar char="•"/>
-            </a:pPr>
-            <a:r>
-              <a:rPr lang="en-GB" sz="2400" dirty="0">
-                <a:latin typeface="Libre Franklin" pitchFamily="2" charset="0"/>
-              </a:rPr>
-              <a:t> If using </a:t>
-            </a:r>
-            <a:r>
-              <a:rPr lang="en-GB" sz="2400" dirty="0" err="1">
-                <a:latin typeface="Libre Franklin" pitchFamily="2" charset="0"/>
-              </a:rPr>
-              <a:t>Infiniband</a:t>
-            </a:r>
-            <a:r>
-              <a:rPr lang="en-GB" sz="2400" dirty="0">
-                <a:latin typeface="Libre Franklin" pitchFamily="2" charset="0"/>
-              </a:rPr>
-              <a:t> (IB), install same OFED drivers and libraries inside the container as used on underlying HPC hardware.</a:t>
-            </a:r>
-          </a:p>
-        </p:txBody>
-      </p:sp>
-      <p:pic>
-        <p:nvPicPr>
-          <p:cNvPr id="10" name="Picture 9">
-            <a:extLst>
-              <a:ext uri="{FF2B5EF4-FFF2-40B4-BE49-F238E27FC236}">
-                <a16:creationId xmlns:a16="http://schemas.microsoft.com/office/drawing/2014/main" id="{442AE3B4-350F-6C16-3BBD-3A8A478197D6}"/>
-              </a:ext>
-            </a:extLst>
-          </p:cNvPr>
-          <p:cNvPicPr>
-            <a:picLocks noChangeAspect="1"/>
-          </p:cNvPicPr>
-          <p:nvPr/>
-        </p:nvPicPr>
-        <p:blipFill>
-          <a:blip r:embed="rId3">
-            <a:extLst>
-              <a:ext uri="{28A0092B-C50C-407E-A947-70E740481C1C}">
-                <a14:useLocalDpi xmlns:a14="http://schemas.microsoft.com/office/drawing/2010/main" val="0"/>
-              </a:ext>
-            </a:extLst>
-          </a:blip>
-          <a:stretch>
-            <a:fillRect/>
-          </a:stretch>
-        </p:blipFill>
-        <p:spPr>
-          <a:xfrm>
-            <a:off x="7337349" y="1633538"/>
-            <a:ext cx="4016445" cy="3580822"/>
-          </a:xfrm>
-          <a:prstGeom prst="rect">
-            <a:avLst/>
-          </a:prstGeom>
-        </p:spPr>
-      </p:pic>
-    </p:spTree>
-    <p:extLst>
-      <p:ext uri="{BB962C8B-B14F-4D97-AF65-F5344CB8AC3E}">
-        <p14:creationId xmlns:p14="http://schemas.microsoft.com/office/powerpoint/2010/main" val="2741599242"/>
-      </p:ext>
-    </p:extLst>
-  </p:cSld>
-  <p:clrMapOvr>
-    <a:masterClrMapping/>
-  </p:clrMapOvr>
-</p:sld>
-</file>
-
-<file path=ppt/slides/slide31.xml><?xml version="1.0" encoding="utf-8"?>
-<p:sld xmlns:a="http://schemas.openxmlformats.org/drawingml/2006/main" xmlns:r="http://schemas.openxmlformats.org/officeDocument/2006/relationships" xmlns:p="http://schemas.openxmlformats.org/presentationml/2006/main">
-  <p:cSld>
-    <p:spTree>
-      <p:nvGrpSpPr>
-        <p:cNvPr id="1" name=""/>
-        <p:cNvGrpSpPr/>
-        <p:nvPr/>
-      </p:nvGrpSpPr>
-      <p:grpSpPr>
-        <a:xfrm>
-          <a:off x="0" y="0"/>
-          <a:ext cx="0" cy="0"/>
-          <a:chOff x="0" y="0"/>
-          <a:chExt cx="0" cy="0"/>
-        </a:xfrm>
-      </p:grpSpPr>
-      <p:sp>
-        <p:nvSpPr>
-          <p:cNvPr id="4" name="Title 3">
-            <a:extLst>
-              <a:ext uri="{FF2B5EF4-FFF2-40B4-BE49-F238E27FC236}">
-                <a16:creationId xmlns:a16="http://schemas.microsoft.com/office/drawing/2014/main" id="{0FF584FD-23D2-4ADF-8806-EEFA9167CCAE}"/>
-              </a:ext>
-            </a:extLst>
-          </p:cNvPr>
-          <p:cNvSpPr>
-            <a:spLocks noGrp="1"/>
-          </p:cNvSpPr>
-          <p:nvPr>
-            <p:ph type="title"/>
-          </p:nvPr>
-        </p:nvSpPr>
-        <p:spPr/>
-        <p:txBody>
-          <a:bodyPr>
-            <a:normAutofit/>
-          </a:bodyPr>
-          <a:lstStyle/>
-          <a:p>
-            <a:r>
-              <a:rPr lang="en-GB" b="1" i="0" u="none" strike="noStrike" dirty="0">
-                <a:solidFill>
-                  <a:schemeClr val="bg1">
-                    <a:lumMod val="50000"/>
-                  </a:schemeClr>
-                </a:solidFill>
-                <a:effectLst/>
-                <a:latin typeface="Georgia" panose="02040502050405020303" pitchFamily="18" charset="0"/>
-              </a:rPr>
-              <a:t>Singularity/Apptainer GPU</a:t>
-            </a:r>
-            <a:endParaRPr lang="en-GB" sz="2400" b="1" dirty="0">
-              <a:solidFill>
-                <a:schemeClr val="bg1">
-                  <a:lumMod val="50000"/>
-                </a:schemeClr>
-              </a:solidFill>
-              <a:latin typeface="Georgia" panose="02040502050405020303" pitchFamily="18" charset="0"/>
-            </a:endParaRPr>
-          </a:p>
-        </p:txBody>
-      </p:sp>
-      <p:grpSp>
-        <p:nvGrpSpPr>
-          <p:cNvPr id="3" name="Group 2">
-            <a:extLst>
-              <a:ext uri="{FF2B5EF4-FFF2-40B4-BE49-F238E27FC236}">
-                <a16:creationId xmlns:a16="http://schemas.microsoft.com/office/drawing/2014/main" id="{56A1F684-1E39-9C20-5029-A627EF40E014}"/>
-              </a:ext>
-            </a:extLst>
-          </p:cNvPr>
-          <p:cNvGrpSpPr/>
-          <p:nvPr/>
-        </p:nvGrpSpPr>
-        <p:grpSpPr>
-          <a:xfrm>
-            <a:off x="11210925" y="5980912"/>
-            <a:ext cx="960359" cy="877088"/>
-            <a:chOff x="4215988" y="5793696"/>
-            <a:chExt cx="960359" cy="877088"/>
-          </a:xfrm>
-        </p:grpSpPr>
-        <p:pic>
-          <p:nvPicPr>
-            <p:cNvPr id="5" name="Picture 4" descr="A picture containing schematic&#10;&#10;Description automatically generated">
-              <a:extLst>
-                <a:ext uri="{FF2B5EF4-FFF2-40B4-BE49-F238E27FC236}">
-                  <a16:creationId xmlns:a16="http://schemas.microsoft.com/office/drawing/2014/main" id="{9A14DD02-465D-9DBB-6069-4ED73FE69216}"/>
-                </a:ext>
-              </a:extLst>
-            </p:cNvPr>
-            <p:cNvPicPr>
-              <a:picLocks noChangeAspect="1"/>
-            </p:cNvPicPr>
-            <p:nvPr/>
-          </p:nvPicPr>
-          <p:blipFill>
-            <a:blip r:embed="rId2" cstate="print">
-              <a:extLst>
-                <a:ext uri="{28A0092B-C50C-407E-A947-70E740481C1C}">
-                  <a14:useLocalDpi xmlns:a14="http://schemas.microsoft.com/office/drawing/2010/main" val="0"/>
-                </a:ext>
-              </a:extLst>
-            </a:blip>
-            <a:stretch>
-              <a:fillRect/>
-            </a:stretch>
-          </p:blipFill>
-          <p:spPr>
-            <a:xfrm>
-              <a:off x="4299259" y="5793696"/>
-              <a:ext cx="877088" cy="877088"/>
-            </a:xfrm>
-            <a:prstGeom prst="rect">
-              <a:avLst/>
-            </a:prstGeom>
-          </p:spPr>
-        </p:pic>
-        <p:cxnSp>
-          <p:nvCxnSpPr>
-            <p:cNvPr id="9" name="Straight Connector 8">
-              <a:extLst>
-                <a:ext uri="{FF2B5EF4-FFF2-40B4-BE49-F238E27FC236}">
-                  <a16:creationId xmlns:a16="http://schemas.microsoft.com/office/drawing/2014/main" id="{1D1B5AD4-11FE-BDD2-EA03-74551284EA2D}"/>
-                </a:ext>
-              </a:extLst>
-            </p:cNvPr>
-            <p:cNvCxnSpPr/>
-            <p:nvPr/>
-          </p:nvCxnSpPr>
-          <p:spPr>
-            <a:xfrm>
-              <a:off x="4215988" y="6033542"/>
-              <a:ext cx="0" cy="359764"/>
-            </a:xfrm>
-            <a:prstGeom prst="line">
-              <a:avLst/>
-            </a:prstGeom>
-            <a:ln>
-              <a:solidFill>
-                <a:schemeClr val="tx1">
-                  <a:lumMod val="75000"/>
-                  <a:lumOff val="25000"/>
-                </a:schemeClr>
-              </a:solidFill>
-            </a:ln>
-          </p:spPr>
-          <p:style>
-            <a:lnRef idx="2">
-              <a:schemeClr val="dk1"/>
-            </a:lnRef>
-            <a:fillRef idx="0">
-              <a:schemeClr val="dk1"/>
-            </a:fillRef>
-            <a:effectRef idx="1">
-              <a:schemeClr val="dk1"/>
-            </a:effectRef>
-            <a:fontRef idx="minor">
-              <a:schemeClr val="tx1"/>
-            </a:fontRef>
-          </p:style>
-        </p:cxnSp>
-      </p:grpSp>
-      <p:sp>
-        <p:nvSpPr>
-          <p:cNvPr id="2" name="TextBox 1">
-            <a:extLst>
-              <a:ext uri="{FF2B5EF4-FFF2-40B4-BE49-F238E27FC236}">
-                <a16:creationId xmlns:a16="http://schemas.microsoft.com/office/drawing/2014/main" id="{D05B81A7-8466-BB82-5747-0FBDEF0A53AE}"/>
-              </a:ext>
-            </a:extLst>
-          </p:cNvPr>
-          <p:cNvSpPr txBox="1"/>
-          <p:nvPr/>
-        </p:nvSpPr>
-        <p:spPr>
-          <a:xfrm>
-            <a:off x="838200" y="1633538"/>
-            <a:ext cx="11020425" cy="830997"/>
-          </a:xfrm>
-          <a:prstGeom prst="rect">
-            <a:avLst/>
-          </a:prstGeom>
-          <a:noFill/>
-        </p:spPr>
-        <p:txBody>
-          <a:bodyPr wrap="square">
-            <a:spAutoFit/>
-          </a:bodyPr>
-          <a:lstStyle/>
-          <a:p>
-            <a:pPr algn="l"/>
-            <a:r>
-              <a:rPr lang="en-GB" sz="2400" dirty="0">
-                <a:latin typeface="Libre Franklin" pitchFamily="2" charset="0"/>
-              </a:rPr>
-              <a:t> </a:t>
-            </a:r>
-          </a:p>
-          <a:p>
-            <a:pPr marL="342900" indent="-342900" algn="l">
-              <a:buFont typeface="Arial" panose="020B0604020202020204" pitchFamily="34" charset="0"/>
-              <a:buChar char="•"/>
-            </a:pPr>
-            <a:endParaRPr lang="en-GB" sz="2400" b="0" i="0" dirty="0">
-              <a:solidFill>
-                <a:srgbClr val="212529"/>
-              </a:solidFill>
-              <a:effectLst/>
-              <a:latin typeface="Libre Franklin" pitchFamily="2" charset="0"/>
-            </a:endParaRPr>
-          </a:p>
-        </p:txBody>
-      </p:sp>
-      <p:sp>
-        <p:nvSpPr>
-          <p:cNvPr id="7" name="TextBox 6">
-            <a:extLst>
-              <a:ext uri="{FF2B5EF4-FFF2-40B4-BE49-F238E27FC236}">
-                <a16:creationId xmlns:a16="http://schemas.microsoft.com/office/drawing/2014/main" id="{2F8B0A46-432E-C162-D1A9-4B66D1E49E92}"/>
-              </a:ext>
-            </a:extLst>
-          </p:cNvPr>
-          <p:cNvSpPr txBox="1"/>
-          <p:nvPr/>
-        </p:nvSpPr>
-        <p:spPr>
-          <a:xfrm>
-            <a:off x="838200" y="1690688"/>
-            <a:ext cx="6096000" cy="2677656"/>
-          </a:xfrm>
-          <a:prstGeom prst="rect">
-            <a:avLst/>
-          </a:prstGeom>
-          <a:noFill/>
-        </p:spPr>
-        <p:txBody>
-          <a:bodyPr wrap="square">
-            <a:spAutoFit/>
-          </a:bodyPr>
-          <a:lstStyle/>
-          <a:p>
-            <a:pPr marL="342900" indent="-342900">
-              <a:buFont typeface="Arial" panose="020B0604020202020204" pitchFamily="34" charset="0"/>
-              <a:buChar char="•"/>
-            </a:pPr>
-            <a:r>
-              <a:rPr lang="en-GB" sz="2400" dirty="0"/>
-              <a:t>GPU-accelerated containers also require an interface for accessing GPU drivers and libraries on the underlying host system.</a:t>
-            </a:r>
-          </a:p>
-          <a:p>
-            <a:r>
-              <a:rPr lang="en-GB" sz="2400" dirty="0"/>
-              <a:t> </a:t>
-            </a:r>
-          </a:p>
-          <a:p>
-            <a:pPr marL="342900" indent="-342900">
-              <a:buFont typeface="Arial" panose="020B0604020202020204" pitchFamily="34" charset="0"/>
-              <a:buChar char="•"/>
-            </a:pPr>
-            <a:r>
-              <a:rPr lang="en-GB" sz="2400" dirty="0"/>
-              <a:t>Apptainer allows you to bind mount the GPU driver and its supporting libraries at runtime with the --</a:t>
-            </a:r>
-            <a:r>
-              <a:rPr lang="en-GB" sz="2400" dirty="0" err="1"/>
-              <a:t>nv</a:t>
-            </a:r>
-            <a:r>
-              <a:rPr lang="en-GB" sz="2400" dirty="0"/>
-              <a:t> option.</a:t>
-            </a:r>
-            <a:endParaRPr lang="en-GB" sz="2400" dirty="0">
-              <a:latin typeface="Libre Franklin" pitchFamily="2" charset="0"/>
-            </a:endParaRPr>
-          </a:p>
-        </p:txBody>
-      </p:sp>
-      <p:pic>
-        <p:nvPicPr>
-          <p:cNvPr id="8" name="Picture 7">
-            <a:extLst>
-              <a:ext uri="{FF2B5EF4-FFF2-40B4-BE49-F238E27FC236}">
-                <a16:creationId xmlns:a16="http://schemas.microsoft.com/office/drawing/2014/main" id="{53BA9EBE-05FC-5B2D-D2AE-4E0F37856616}"/>
-              </a:ext>
-            </a:extLst>
-          </p:cNvPr>
-          <p:cNvPicPr>
-            <a:picLocks noChangeAspect="1"/>
-          </p:cNvPicPr>
-          <p:nvPr/>
-        </p:nvPicPr>
-        <p:blipFill>
-          <a:blip r:embed="rId3">
-            <a:extLst>
-              <a:ext uri="{28A0092B-C50C-407E-A947-70E740481C1C}">
-                <a14:useLocalDpi xmlns:a14="http://schemas.microsoft.com/office/drawing/2010/main" val="0"/>
-              </a:ext>
-            </a:extLst>
-          </a:blip>
-          <a:stretch>
-            <a:fillRect/>
-          </a:stretch>
-        </p:blipFill>
-        <p:spPr>
-          <a:xfrm>
-            <a:off x="6924455" y="1298465"/>
-            <a:ext cx="4286470" cy="4261069"/>
-          </a:xfrm>
-          <a:prstGeom prst="rect">
-            <a:avLst/>
-          </a:prstGeom>
-        </p:spPr>
-      </p:pic>
-    </p:spTree>
-    <p:extLst>
-      <p:ext uri="{BB962C8B-B14F-4D97-AF65-F5344CB8AC3E}">
-        <p14:creationId xmlns:p14="http://schemas.microsoft.com/office/powerpoint/2010/main" val="349991838"/>
-      </p:ext>
-    </p:extLst>
-  </p:cSld>
-  <p:clrMapOvr>
-    <a:masterClrMapping/>
-  </p:clrMapOvr>
-</p:sld>
-</file>
-
-<file path=ppt/slides/slide32.xml><?xml version="1.0" encoding="utf-8"?>
-<p:sld xmlns:a="http://schemas.openxmlformats.org/drawingml/2006/main" xmlns:r="http://schemas.openxmlformats.org/officeDocument/2006/relationships" xmlns:p="http://schemas.openxmlformats.org/presentationml/2006/main">
-  <p:cSld>
-    <p:spTree>
-      <p:nvGrpSpPr>
-        <p:cNvPr id="1" name=""/>
-        <p:cNvGrpSpPr/>
-        <p:nvPr/>
-      </p:nvGrpSpPr>
-      <p:grpSpPr>
-        <a:xfrm>
-          <a:off x="0" y="0"/>
-          <a:ext cx="0" cy="0"/>
-          <a:chOff x="0" y="0"/>
-          <a:chExt cx="0" cy="0"/>
-        </a:xfrm>
-      </p:grpSpPr>
-      <p:sp>
-        <p:nvSpPr>
-          <p:cNvPr id="4" name="Title 3">
-            <a:extLst>
-              <a:ext uri="{FF2B5EF4-FFF2-40B4-BE49-F238E27FC236}">
-                <a16:creationId xmlns:a16="http://schemas.microsoft.com/office/drawing/2014/main" id="{0FF584FD-23D2-4ADF-8806-EEFA9167CCAE}"/>
-              </a:ext>
-            </a:extLst>
-          </p:cNvPr>
-          <p:cNvSpPr>
-            <a:spLocks noGrp="1"/>
-          </p:cNvSpPr>
-          <p:nvPr>
-            <p:ph type="title"/>
-          </p:nvPr>
-        </p:nvSpPr>
-        <p:spPr/>
-        <p:txBody>
-          <a:bodyPr>
-            <a:normAutofit/>
-          </a:bodyPr>
-          <a:lstStyle/>
-          <a:p>
-            <a:r>
-              <a:rPr lang="en-GB" b="1" i="0" u="none" strike="noStrike" dirty="0">
-                <a:solidFill>
-                  <a:schemeClr val="bg1">
-                    <a:lumMod val="50000"/>
-                  </a:schemeClr>
-                </a:solidFill>
-                <a:effectLst/>
-                <a:latin typeface="Georgia" panose="02040502050405020303" pitchFamily="18" charset="0"/>
-              </a:rPr>
               <a:t>Singularity/Apptainer</a:t>
             </a:r>
             <a:endParaRPr lang="en-GB" sz="2400" b="1" dirty="0">
@@ -14774,7 +14113,7 @@
 </p:sld>
 </file>
 
-<file path=ppt/slides/slide33.xml><?xml version="1.0" encoding="utf-8"?>
+<file path=ppt/slides/slide31.xml><?xml version="1.0" encoding="utf-8"?>
 <p:sld xmlns:a="http://schemas.openxmlformats.org/drawingml/2006/main" xmlns:r="http://schemas.openxmlformats.org/officeDocument/2006/relationships" xmlns:p="http://schemas.openxmlformats.org/presentationml/2006/main">
   <p:cSld>
     <p:spTree>
@@ -15110,7 +14449,7 @@
 </p:sld>
 </file>
 
-<file path=ppt/slides/slide34.xml><?xml version="1.0" encoding="utf-8"?>
+<file path=ppt/slides/slide32.xml><?xml version="1.0" encoding="utf-8"?>
 <p:sld xmlns:a="http://schemas.openxmlformats.org/drawingml/2006/main" xmlns:r="http://schemas.openxmlformats.org/officeDocument/2006/relationships" xmlns:p="http://schemas.openxmlformats.org/presentationml/2006/main">
   <p:cSld>
     <p:spTree>
@@ -15488,7 +14827,7 @@
 </p:sld>
 </file>
 
-<file path=ppt/slides/slide35.xml><?xml version="1.0" encoding="utf-8"?>
+<file path=ppt/slides/slide33.xml><?xml version="1.0" encoding="utf-8"?>
 <p:sld xmlns:a="http://schemas.openxmlformats.org/drawingml/2006/main" xmlns:r="http://schemas.openxmlformats.org/officeDocument/2006/relationships" xmlns:p="http://schemas.openxmlformats.org/presentationml/2006/main">
   <p:cSld>
     <p:spTree>
